--- a/Event Materials/Speaker/GPPB2021 Speaker Social Share Deck.pptx
+++ b/Event Materials/Speaker/GPPB2021 Speaker Social Share Deck.pptx
@@ -6,6 +6,7 @@
   </p:sldMasterIdLst>
   <p:sldIdLst>
     <p:sldId id="265" r:id="rId5"/>
+    <p:sldId id="266" r:id="rId6"/>
   </p:sldIdLst>
   <p:sldSz cx="12192000" cy="6858000"/>
   <p:notesSz cx="6858000" cy="9144000"/>
@@ -155,7 +156,7 @@
         </p:nvSpPr>
         <p:spPr>
           <a:xfrm>
-            <a:off x="1447300" y="2730012"/>
+            <a:off x="1447300" y="2235200"/>
             <a:ext cx="2632075" cy="2387600"/>
           </a:xfrm>
           <a:prstGeom prst="ellipse">
@@ -225,7 +226,7 @@
             <a:pPr lvl="0"/>
             <a:r>
               <a:rPr lang="en-CA" dirty="0"/>
-              <a:t>Speaker name</a:t>
+              <a:t>&lt;SPEAKER NAME&gt;</a:t>
             </a:r>
           </a:p>
         </p:txBody>
@@ -275,7 +276,7 @@
               <a:tabLst/>
               <a:defRPr sz="4800">
                 <a:solidFill>
-                  <a:schemeClr val="bg1"/>
+                  <a:srgbClr val="DF81C3"/>
                 </a:solidFill>
                 <a:latin typeface="+mj-lt"/>
               </a:defRPr>
@@ -285,7 +286,7 @@
             <a:pPr lvl="0"/>
             <a:r>
               <a:rPr lang="en-CA" dirty="0"/>
-              <a:t>Session Title</a:t>
+              <a:t>&lt;SESSION TITLE&gt;</a:t>
             </a:r>
           </a:p>
         </p:txBody>
@@ -318,31 +319,59 @@
           </a:bodyPr>
           <a:lstStyle/>
           <a:p>
-            <a:pPr algn="l"/>
-            <a:r>
-              <a:rPr lang="en-CA" dirty="0">
-                <a:solidFill>
-                  <a:schemeClr val="bg1"/>
+            <a:pPr algn="ctr"/>
+            <a:r>
+              <a:rPr lang="en-CA" sz="1800" kern="1200" dirty="0">
+                <a:solidFill>
+                  <a:srgbClr val="7EC6FE"/>
                 </a:solidFill>
                 <a:latin typeface="+mj-lt"/>
+                <a:ea typeface="+mn-ea"/>
+                <a:cs typeface="+mn-cs"/>
               </a:rPr>
               <a:t>February 19</a:t>
             </a:r>
             <a:r>
-              <a:rPr lang="en-CA" baseline="30000" dirty="0">
-                <a:solidFill>
-                  <a:schemeClr val="bg1"/>
+              <a:rPr lang="en-CA" sz="1800" kern="1200" baseline="30000" dirty="0">
+                <a:solidFill>
+                  <a:srgbClr val="7EC6FE"/>
                 </a:solidFill>
                 <a:latin typeface="+mj-lt"/>
+                <a:ea typeface="+mn-ea"/>
+                <a:cs typeface="+mn-cs"/>
               </a:rPr>
               <a:t>th</a:t>
             </a:r>
             <a:r>
-              <a:rPr lang="en-CA" dirty="0">
-                <a:solidFill>
-                  <a:schemeClr val="bg1"/>
+              <a:rPr lang="en-CA" sz="1800" kern="1200" dirty="0">
+                <a:solidFill>
+                  <a:srgbClr val="7EC6FE"/>
                 </a:solidFill>
                 <a:latin typeface="+mj-lt"/>
+                <a:ea typeface="+mn-ea"/>
+                <a:cs typeface="+mn-cs"/>
+              </a:rPr>
+              <a:t> 2021 – February 20</a:t>
+            </a:r>
+            <a:r>
+              <a:rPr lang="en-CA" sz="1800" kern="1200" baseline="30000" dirty="0">
+                <a:solidFill>
+                  <a:srgbClr val="7EC6FE"/>
+                </a:solidFill>
+                <a:latin typeface="+mj-lt"/>
+                <a:ea typeface="+mn-ea"/>
+                <a:cs typeface="+mn-cs"/>
+              </a:rPr>
+              <a:t>th</a:t>
+            </a:r>
+            <a:r>
+              <a:rPr lang="en-CA" sz="1800" kern="1200" dirty="0">
+                <a:solidFill>
+                  <a:srgbClr val="7EC6FE"/>
+                </a:solidFill>
+                <a:latin typeface="+mj-lt"/>
+                <a:ea typeface="+mn-ea"/>
+                <a:cs typeface="+mn-cs"/>
               </a:rPr>
               <a:t> 2021</a:t>
             </a:r>
@@ -351,21 +380,15 @@
             <a:endParaRPr lang="en-CA" dirty="0"/>
           </a:p>
           <a:p>
-            <a:r>
-              <a:rPr lang="en-CA" u="none" dirty="0">
-                <a:solidFill>
-                  <a:schemeClr val="bg1"/>
+            <a:pPr algn="ctr"/>
+            <a:r>
+              <a:rPr lang="en-CA" sz="2400" kern="1200" dirty="0">
+                <a:solidFill>
+                  <a:srgbClr val="F8DE6E"/>
                 </a:solidFill>
                 <a:latin typeface="+mj-lt"/>
-              </a:rPr>
-              <a:t>Register: </a:t>
-            </a:r>
-            <a:r>
-              <a:rPr lang="en-CA" sz="2400" dirty="0">
-                <a:solidFill>
-                  <a:schemeClr val="accent2"/>
-                </a:solidFill>
-                <a:latin typeface="+mj-lt"/>
+                <a:ea typeface="+mn-ea"/>
+                <a:cs typeface="+mn-cs"/>
                 <a:hlinkClick r:id="rId2">
                   <a:extLst>
                     <a:ext uri="{A12FA001-AC4F-418D-AE19-62706E023703}">
@@ -374,13 +397,15 @@
                   </a:extLst>
                 </a:hlinkClick>
               </a:rPr>
-              <a:t>https://POWERPLATFORMBOOTCAMP.COM</a:t>
-            </a:r>
-            <a:endParaRPr lang="en-CA" sz="2400" dirty="0">
+              <a:t>www.PowerPlatformBootcamp.com</a:t>
+            </a:r>
+            <a:endParaRPr lang="en-CA" sz="2400" kern="1200" dirty="0">
               <a:solidFill>
-                <a:schemeClr val="accent2"/>
+                <a:srgbClr val="F8DE6E"/>
               </a:solidFill>
               <a:latin typeface="+mj-lt"/>
+              <a:ea typeface="+mn-ea"/>
+              <a:cs typeface="+mn-cs"/>
             </a:endParaRPr>
           </a:p>
           <a:p>
@@ -461,7 +486,7 @@
         </p:blipFill>
         <p:spPr>
           <a:xfrm>
-            <a:off x="9188073" y="6180590"/>
+            <a:off x="9434258" y="6171798"/>
             <a:ext cx="447698" cy="447698"/>
           </a:xfrm>
           <a:prstGeom prst="rect">
@@ -469,6 +494,238 @@
           </a:prstGeom>
         </p:spPr>
       </p:pic>
+      <p:pic>
+        <p:nvPicPr>
+          <p:cNvPr id="7" name="Graphic 6">
+            <a:extLst>
+              <a:ext uri="{FF2B5EF4-FFF2-40B4-BE49-F238E27FC236}">
+                <a16:creationId xmlns:a16="http://schemas.microsoft.com/office/drawing/2014/main" id="{BA3C85F9-16CE-433F-88B2-F96C32A153F1}"/>
+              </a:ext>
+            </a:extLst>
+          </p:cNvPr>
+          <p:cNvPicPr>
+            <a:picLocks noChangeAspect="1"/>
+          </p:cNvPicPr>
+          <p:nvPr userDrawn="1"/>
+        </p:nvPicPr>
+        <p:blipFill>
+          <a:blip r:embed="rId4">
+            <a:extLst>
+              <a:ext uri="{28A0092B-C50C-407E-A947-70E740481C1C}">
+                <a14:useLocalDpi xmlns:a14="http://schemas.microsoft.com/office/drawing/2010/main" val="0"/>
+              </a:ext>
+              <a:ext uri="{96DAC541-7B7A-43D3-8B79-37D633B846F1}">
+                <asvg:svgBlip xmlns:asvg="http://schemas.microsoft.com/office/drawing/2016/SVG/main" r:embed="rId5"/>
+              </a:ext>
+            </a:extLst>
+          </a:blip>
+          <a:stretch>
+            <a:fillRect/>
+          </a:stretch>
+        </p:blipFill>
+        <p:spPr>
+          <a:xfrm>
+            <a:off x="360693" y="5117612"/>
+            <a:ext cx="914400" cy="914400"/>
+          </a:xfrm>
+          <a:prstGeom prst="rect">
+            <a:avLst/>
+          </a:prstGeom>
+        </p:spPr>
+      </p:pic>
+      <p:pic>
+        <p:nvPicPr>
+          <p:cNvPr id="9" name="Graphic 8">
+            <a:extLst>
+              <a:ext uri="{FF2B5EF4-FFF2-40B4-BE49-F238E27FC236}">
+                <a16:creationId xmlns:a16="http://schemas.microsoft.com/office/drawing/2014/main" id="{D8670A90-7E6A-4736-99A5-CDCDD89EB2D0}"/>
+              </a:ext>
+            </a:extLst>
+          </p:cNvPr>
+          <p:cNvPicPr>
+            <a:picLocks noChangeAspect="1"/>
+          </p:cNvPicPr>
+          <p:nvPr userDrawn="1"/>
+        </p:nvPicPr>
+        <p:blipFill>
+          <a:blip r:embed="rId6">
+            <a:extLst>
+              <a:ext uri="{28A0092B-C50C-407E-A947-70E740481C1C}">
+                <a14:useLocalDpi xmlns:a14="http://schemas.microsoft.com/office/drawing/2010/main" val="0"/>
+              </a:ext>
+              <a:ext uri="{96DAC541-7B7A-43D3-8B79-37D633B846F1}">
+                <asvg:svgBlip xmlns:asvg="http://schemas.microsoft.com/office/drawing/2016/SVG/main" r:embed="rId7"/>
+              </a:ext>
+            </a:extLst>
+          </a:blip>
+          <a:stretch>
+            <a:fillRect/>
+          </a:stretch>
+        </p:blipFill>
+        <p:spPr>
+          <a:xfrm>
+            <a:off x="1504340" y="5112152"/>
+            <a:ext cx="914400" cy="914400"/>
+          </a:xfrm>
+          <a:prstGeom prst="rect">
+            <a:avLst/>
+          </a:prstGeom>
+        </p:spPr>
+      </p:pic>
+      <p:pic>
+        <p:nvPicPr>
+          <p:cNvPr id="10" name="Graphic 9">
+            <a:extLst>
+              <a:ext uri="{FF2B5EF4-FFF2-40B4-BE49-F238E27FC236}">
+                <a16:creationId xmlns:a16="http://schemas.microsoft.com/office/drawing/2014/main" id="{12A7F1AA-C2E0-42B9-BAF4-7B5C2E60B99C}"/>
+              </a:ext>
+            </a:extLst>
+          </p:cNvPr>
+          <p:cNvPicPr>
+            <a:picLocks noChangeAspect="1"/>
+          </p:cNvPicPr>
+          <p:nvPr userDrawn="1"/>
+        </p:nvPicPr>
+        <p:blipFill>
+          <a:blip r:embed="rId8">
+            <a:extLst>
+              <a:ext uri="{28A0092B-C50C-407E-A947-70E740481C1C}">
+                <a14:useLocalDpi xmlns:a14="http://schemas.microsoft.com/office/drawing/2010/main" val="0"/>
+              </a:ext>
+              <a:ext uri="{96DAC541-7B7A-43D3-8B79-37D633B846F1}">
+                <asvg:svgBlip xmlns:asvg="http://schemas.microsoft.com/office/drawing/2016/SVG/main" r:embed="rId9"/>
+              </a:ext>
+            </a:extLst>
+          </a:blip>
+          <a:stretch>
+            <a:fillRect/>
+          </a:stretch>
+        </p:blipFill>
+        <p:spPr>
+          <a:xfrm>
+            <a:off x="2809570" y="5117612"/>
+            <a:ext cx="914400" cy="914400"/>
+          </a:xfrm>
+          <a:prstGeom prst="rect">
+            <a:avLst/>
+          </a:prstGeom>
+        </p:spPr>
+      </p:pic>
+      <p:pic>
+        <p:nvPicPr>
+          <p:cNvPr id="11" name="Graphic 10">
+            <a:extLst>
+              <a:ext uri="{FF2B5EF4-FFF2-40B4-BE49-F238E27FC236}">
+                <a16:creationId xmlns:a16="http://schemas.microsoft.com/office/drawing/2014/main" id="{BEC31DEA-1F4C-44C7-BB96-6668FC0E356B}"/>
+              </a:ext>
+            </a:extLst>
+          </p:cNvPr>
+          <p:cNvPicPr>
+            <a:picLocks noChangeAspect="1"/>
+          </p:cNvPicPr>
+          <p:nvPr userDrawn="1"/>
+        </p:nvPicPr>
+        <p:blipFill>
+          <a:blip r:embed="rId10">
+            <a:extLst>
+              <a:ext uri="{28A0092B-C50C-407E-A947-70E740481C1C}">
+                <a14:useLocalDpi xmlns:a14="http://schemas.microsoft.com/office/drawing/2010/main" val="0"/>
+              </a:ext>
+              <a:ext uri="{96DAC541-7B7A-43D3-8B79-37D633B846F1}">
+                <asvg:svgBlip xmlns:asvg="http://schemas.microsoft.com/office/drawing/2016/SVG/main" r:embed="rId11"/>
+              </a:ext>
+            </a:extLst>
+          </a:blip>
+          <a:stretch>
+            <a:fillRect/>
+          </a:stretch>
+        </p:blipFill>
+        <p:spPr>
+          <a:xfrm>
+            <a:off x="4079375" y="5143506"/>
+            <a:ext cx="914400" cy="914400"/>
+          </a:xfrm>
+          <a:prstGeom prst="rect">
+            <a:avLst/>
+          </a:prstGeom>
+        </p:spPr>
+      </p:pic>
+      <p:pic>
+        <p:nvPicPr>
+          <p:cNvPr id="12" name="Picture 11" descr="Logo&#10;&#10;Description generated with very high confidence">
+            <a:extLst>
+              <a:ext uri="{FF2B5EF4-FFF2-40B4-BE49-F238E27FC236}">
+                <a16:creationId xmlns:a16="http://schemas.microsoft.com/office/drawing/2014/main" id="{707E5312-5AC2-4704-9973-B09FB1DDBAD9}"/>
+              </a:ext>
+            </a:extLst>
+          </p:cNvPr>
+          <p:cNvPicPr>
+            <a:picLocks noChangeAspect="1"/>
+          </p:cNvPicPr>
+          <p:nvPr userDrawn="1"/>
+        </p:nvPicPr>
+        <p:blipFill>
+          <a:blip r:embed="rId12" cstate="print">
+            <a:extLst>
+              <a:ext uri="{28A0092B-C50C-407E-A947-70E740481C1C}">
+                <a14:useLocalDpi xmlns:a14="http://schemas.microsoft.com/office/drawing/2010/main" val="0"/>
+              </a:ext>
+            </a:extLst>
+          </a:blip>
+          <a:stretch>
+            <a:fillRect/>
+          </a:stretch>
+        </p:blipFill>
+        <p:spPr>
+          <a:xfrm>
+            <a:off x="6199907" y="6227476"/>
+            <a:ext cx="1684399" cy="361902"/>
+          </a:xfrm>
+          <a:prstGeom prst="rect">
+            <a:avLst/>
+          </a:prstGeom>
+        </p:spPr>
+      </p:pic>
+      <p:sp>
+        <p:nvSpPr>
+          <p:cNvPr id="13" name="TextBox 12">
+            <a:extLst>
+              <a:ext uri="{FF2B5EF4-FFF2-40B4-BE49-F238E27FC236}">
+                <a16:creationId xmlns:a16="http://schemas.microsoft.com/office/drawing/2014/main" id="{BAD3FB2B-D548-4F45-A746-6E1CD3B4AF38}"/>
+              </a:ext>
+            </a:extLst>
+          </p:cNvPr>
+          <p:cNvSpPr txBox="1"/>
+          <p:nvPr userDrawn="1"/>
+        </p:nvSpPr>
+        <p:spPr>
+          <a:xfrm>
+            <a:off x="2172172" y="458907"/>
+            <a:ext cx="9899666" cy="523220"/>
+          </a:xfrm>
+          <a:prstGeom prst="rect">
+            <a:avLst/>
+          </a:prstGeom>
+          <a:noFill/>
+        </p:spPr>
+        <p:txBody>
+          <a:bodyPr wrap="square" rtlCol="0">
+            <a:spAutoFit/>
+          </a:bodyPr>
+          <a:lstStyle/>
+          <a:p>
+            <a:r>
+              <a:rPr lang="en-CA" sz="2800" dirty="0">
+                <a:solidFill>
+                  <a:srgbClr val="49CAED"/>
+                </a:solidFill>
+                <a:latin typeface="+mj-lt"/>
+              </a:rPr>
+              <a:t>GLOBAL POWER PLATFORM BOOTCAMP - &lt;City/User Group Name&gt;</a:t>
+            </a:r>
+          </a:p>
+        </p:txBody>
+      </p:sp>
     </p:spTree>
     <p:extLst>
       <p:ext uri="{BB962C8B-B14F-4D97-AF65-F5344CB8AC3E}">
@@ -484,7 +741,7 @@
 
 <file path=ppt/slideLayouts/slideLayout2.xml><?xml version="1.0" encoding="utf-8"?>
 <p:sldLayout xmlns:a="http://schemas.openxmlformats.org/drawingml/2006/main" xmlns:r="http://schemas.openxmlformats.org/officeDocument/2006/relationships" xmlns:p="http://schemas.openxmlformats.org/presentationml/2006/main" preserve="1" userDrawn="1">
-  <p:cSld name="1_Title and Content">
+  <p:cSld name="2_Title and Content">
     <p:spTree>
       <p:nvGrpSpPr>
         <p:cNvPr id="1" name=""/>
@@ -499,10 +756,658 @@
           <a:chExt cx="0" cy="0"/>
         </a:xfrm>
       </p:grpSpPr>
+      <p:sp>
+        <p:nvSpPr>
+          <p:cNvPr id="17" name="Text Placeholder 16">
+            <a:extLst>
+              <a:ext uri="{FF2B5EF4-FFF2-40B4-BE49-F238E27FC236}">
+                <a16:creationId xmlns:a16="http://schemas.microsoft.com/office/drawing/2014/main" id="{3D0439F0-C3F4-4AF7-A28D-3CAB7D846D9F}"/>
+              </a:ext>
+            </a:extLst>
+          </p:cNvPr>
+          <p:cNvSpPr>
+            <a:spLocks noGrp="1"/>
+          </p:cNvSpPr>
+          <p:nvPr>
+            <p:ph type="body" sz="quarter" idx="14" hasCustomPrompt="1"/>
+          </p:nvPr>
+        </p:nvSpPr>
+        <p:spPr>
+          <a:xfrm>
+            <a:off x="5029200" y="2030413"/>
+            <a:ext cx="6796454" cy="1002933"/>
+          </a:xfrm>
+          <a:prstGeom prst="rect">
+            <a:avLst/>
+          </a:prstGeom>
+        </p:spPr>
+        <p:txBody>
+          <a:bodyPr/>
+          <a:lstStyle>
+            <a:lvl1pPr marL="0" indent="0" algn="ctr">
+              <a:buNone/>
+              <a:defRPr sz="5400">
+                <a:solidFill>
+                  <a:schemeClr val="bg1"/>
+                </a:solidFill>
+                <a:latin typeface="+mj-lt"/>
+              </a:defRPr>
+            </a:lvl1pPr>
+          </a:lstStyle>
+          <a:p>
+            <a:pPr lvl="0"/>
+            <a:r>
+              <a:rPr lang="en-CA" dirty="0"/>
+              <a:t>&lt;SPEAKER NAME&gt;</a:t>
+            </a:r>
+          </a:p>
+        </p:txBody>
+      </p:sp>
+      <p:sp>
+        <p:nvSpPr>
+          <p:cNvPr id="19" name="Text Placeholder 18">
+            <a:extLst>
+              <a:ext uri="{FF2B5EF4-FFF2-40B4-BE49-F238E27FC236}">
+                <a16:creationId xmlns:a16="http://schemas.microsoft.com/office/drawing/2014/main" id="{5A254F57-E9BD-4546-BC8C-7C18C220ADB3}"/>
+              </a:ext>
+            </a:extLst>
+          </p:cNvPr>
+          <p:cNvSpPr>
+            <a:spLocks noGrp="1"/>
+          </p:cNvSpPr>
+          <p:nvPr>
+            <p:ph type="body" sz="quarter" idx="15" hasCustomPrompt="1"/>
+          </p:nvPr>
+        </p:nvSpPr>
+        <p:spPr>
+          <a:xfrm>
+            <a:off x="5029199" y="3709020"/>
+            <a:ext cx="6796454" cy="786818"/>
+          </a:xfrm>
+          <a:prstGeom prst="rect">
+            <a:avLst/>
+          </a:prstGeom>
+        </p:spPr>
+        <p:txBody>
+          <a:bodyPr/>
+          <a:lstStyle>
+            <a:lvl1pPr marL="0" marR="0" indent="0" algn="ctr" defTabSz="914400" rtl="0" eaLnBrk="1" fontAlgn="auto" latinLnBrk="0" hangingPunct="1">
+              <a:lnSpc>
+                <a:spcPct val="90000"/>
+              </a:lnSpc>
+              <a:spcBef>
+                <a:spcPts val="1000"/>
+              </a:spcBef>
+              <a:spcAft>
+                <a:spcPts val="0"/>
+              </a:spcAft>
+              <a:buClrTx/>
+              <a:buSzTx/>
+              <a:buFontTx/>
+              <a:buNone/>
+              <a:tabLst/>
+              <a:defRPr sz="4800">
+                <a:solidFill>
+                  <a:srgbClr val="DF81C3"/>
+                </a:solidFill>
+                <a:latin typeface="+mj-lt"/>
+              </a:defRPr>
+            </a:lvl1pPr>
+          </a:lstStyle>
+          <a:p>
+            <a:pPr lvl="0"/>
+            <a:r>
+              <a:rPr lang="en-CA" dirty="0"/>
+              <a:t>&lt;SESSION TITLE&gt;</a:t>
+            </a:r>
+          </a:p>
+        </p:txBody>
+      </p:sp>
+      <p:sp>
+        <p:nvSpPr>
+          <p:cNvPr id="20" name="TextBox 19">
+            <a:extLst>
+              <a:ext uri="{FF2B5EF4-FFF2-40B4-BE49-F238E27FC236}">
+                <a16:creationId xmlns:a16="http://schemas.microsoft.com/office/drawing/2014/main" id="{62327C34-9FA1-4A7E-B54B-E472812BA018}"/>
+              </a:ext>
+            </a:extLst>
+          </p:cNvPr>
+          <p:cNvSpPr txBox="1"/>
+          <p:nvPr userDrawn="1"/>
+        </p:nvSpPr>
+        <p:spPr>
+          <a:xfrm>
+            <a:off x="5029199" y="4728341"/>
+            <a:ext cx="6796453" cy="2123658"/>
+          </a:xfrm>
+          <a:prstGeom prst="rect">
+            <a:avLst/>
+          </a:prstGeom>
+          <a:noFill/>
+        </p:spPr>
+        <p:txBody>
+          <a:bodyPr wrap="square" rtlCol="0">
+            <a:spAutoFit/>
+          </a:bodyPr>
+          <a:lstStyle/>
+          <a:p>
+            <a:pPr algn="ctr"/>
+            <a:r>
+              <a:rPr lang="en-CA" sz="1800" kern="1200" dirty="0">
+                <a:solidFill>
+                  <a:srgbClr val="7EC6FE"/>
+                </a:solidFill>
+                <a:latin typeface="+mj-lt"/>
+                <a:ea typeface="+mn-ea"/>
+                <a:cs typeface="+mn-cs"/>
+              </a:rPr>
+              <a:t>February 19</a:t>
+            </a:r>
+            <a:r>
+              <a:rPr lang="en-CA" sz="1800" kern="1200" baseline="30000" dirty="0">
+                <a:solidFill>
+                  <a:srgbClr val="7EC6FE"/>
+                </a:solidFill>
+                <a:latin typeface="+mj-lt"/>
+                <a:ea typeface="+mn-ea"/>
+                <a:cs typeface="+mn-cs"/>
+              </a:rPr>
+              <a:t>th</a:t>
+            </a:r>
+            <a:r>
+              <a:rPr lang="en-CA" sz="1800" kern="1200" dirty="0">
+                <a:solidFill>
+                  <a:srgbClr val="7EC6FE"/>
+                </a:solidFill>
+                <a:latin typeface="+mj-lt"/>
+                <a:ea typeface="+mn-ea"/>
+                <a:cs typeface="+mn-cs"/>
+              </a:rPr>
+              <a:t> 2021 – February 20</a:t>
+            </a:r>
+            <a:r>
+              <a:rPr lang="en-CA" sz="1800" kern="1200" baseline="30000" dirty="0">
+                <a:solidFill>
+                  <a:srgbClr val="7EC6FE"/>
+                </a:solidFill>
+                <a:latin typeface="+mj-lt"/>
+                <a:ea typeface="+mn-ea"/>
+                <a:cs typeface="+mn-cs"/>
+              </a:rPr>
+              <a:t>th</a:t>
+            </a:r>
+            <a:r>
+              <a:rPr lang="en-CA" sz="1800" kern="1200" dirty="0">
+                <a:solidFill>
+                  <a:srgbClr val="7EC6FE"/>
+                </a:solidFill>
+                <a:latin typeface="+mj-lt"/>
+                <a:ea typeface="+mn-ea"/>
+                <a:cs typeface="+mn-cs"/>
+              </a:rPr>
+              <a:t> 2021</a:t>
+            </a:r>
+          </a:p>
+          <a:p>
+            <a:endParaRPr lang="en-CA" dirty="0"/>
+          </a:p>
+          <a:p>
+            <a:pPr algn="ctr"/>
+            <a:r>
+              <a:rPr lang="en-CA" sz="2400" kern="1200" dirty="0">
+                <a:solidFill>
+                  <a:srgbClr val="F8DE6E"/>
+                </a:solidFill>
+                <a:latin typeface="+mj-lt"/>
+                <a:ea typeface="+mn-ea"/>
+                <a:cs typeface="+mn-cs"/>
+                <a:hlinkClick r:id="rId2">
+                  <a:extLst>
+                    <a:ext uri="{A12FA001-AC4F-418D-AE19-62706E023703}">
+                      <ahyp:hlinkClr xmlns:ahyp="http://schemas.microsoft.com/office/drawing/2018/hyperlinkcolor" val="tx"/>
+                    </a:ext>
+                  </a:extLst>
+                </a:hlinkClick>
+              </a:rPr>
+              <a:t>www.PowerPlatformBootcamp.com</a:t>
+            </a:r>
+            <a:endParaRPr lang="en-CA" sz="2400" kern="1200" dirty="0">
+              <a:solidFill>
+                <a:srgbClr val="F8DE6E"/>
+              </a:solidFill>
+              <a:latin typeface="+mj-lt"/>
+              <a:ea typeface="+mn-ea"/>
+              <a:cs typeface="+mn-cs"/>
+            </a:endParaRPr>
+          </a:p>
+          <a:p>
+            <a:r>
+              <a:rPr lang="en-CA" dirty="0">
+                <a:solidFill>
+                  <a:schemeClr val="bg1"/>
+                </a:solidFill>
+              </a:rPr>
+              <a:t>         </a:t>
+            </a:r>
+          </a:p>
+          <a:p>
+            <a:pPr algn="r"/>
+            <a:r>
+              <a:rPr lang="en-CA" dirty="0">
+                <a:solidFill>
+                  <a:schemeClr val="bg1"/>
+                </a:solidFill>
+              </a:rPr>
+              <a:t> </a:t>
+            </a:r>
+          </a:p>
+          <a:p>
+            <a:pPr algn="r"/>
+            <a:r>
+              <a:rPr lang="en-CA" dirty="0">
+                <a:solidFill>
+                  <a:schemeClr val="bg1"/>
+                </a:solidFill>
+              </a:rPr>
+              <a:t>@</a:t>
+            </a:r>
+            <a:r>
+              <a:rPr lang="en-CA" dirty="0" err="1">
+                <a:solidFill>
+                  <a:schemeClr val="bg1"/>
+                </a:solidFill>
+              </a:rPr>
+              <a:t>GPPBootcamp</a:t>
+            </a:r>
+            <a:endParaRPr lang="en-CA" dirty="0">
+              <a:solidFill>
+                <a:schemeClr val="bg1"/>
+              </a:solidFill>
+            </a:endParaRPr>
+          </a:p>
+          <a:p>
+            <a:endParaRPr lang="en-CA" dirty="0"/>
+          </a:p>
+        </p:txBody>
+      </p:sp>
+      <p:pic>
+        <p:nvPicPr>
+          <p:cNvPr id="22" name="Picture 21" descr="A picture containing text, clipart&#10;&#10;Description generated with very high confidence">
+            <a:extLst>
+              <a:ext uri="{FF2B5EF4-FFF2-40B4-BE49-F238E27FC236}">
+                <a16:creationId xmlns:a16="http://schemas.microsoft.com/office/drawing/2014/main" id="{B0378663-22D8-4D32-A407-0670B3A1D350}"/>
+              </a:ext>
+            </a:extLst>
+          </p:cNvPr>
+          <p:cNvPicPr>
+            <a:picLocks noChangeAspect="1"/>
+          </p:cNvPicPr>
+          <p:nvPr userDrawn="1"/>
+        </p:nvPicPr>
+        <p:blipFill>
+          <a:blip r:embed="rId3" cstate="print">
+            <a:extLst>
+              <a:ext uri="{28A0092B-C50C-407E-A947-70E740481C1C}">
+                <a14:useLocalDpi xmlns:a14="http://schemas.microsoft.com/office/drawing/2010/main" val="0"/>
+              </a:ext>
+            </a:extLst>
+          </a:blip>
+          <a:stretch>
+            <a:fillRect/>
+          </a:stretch>
+        </p:blipFill>
+        <p:spPr>
+          <a:xfrm>
+            <a:off x="9434258" y="6171798"/>
+            <a:ext cx="447698" cy="447698"/>
+          </a:xfrm>
+          <a:prstGeom prst="rect">
+            <a:avLst/>
+          </a:prstGeom>
+        </p:spPr>
+      </p:pic>
+      <p:pic>
+        <p:nvPicPr>
+          <p:cNvPr id="7" name="Graphic 6">
+            <a:extLst>
+              <a:ext uri="{FF2B5EF4-FFF2-40B4-BE49-F238E27FC236}">
+                <a16:creationId xmlns:a16="http://schemas.microsoft.com/office/drawing/2014/main" id="{BA3C85F9-16CE-433F-88B2-F96C32A153F1}"/>
+              </a:ext>
+            </a:extLst>
+          </p:cNvPr>
+          <p:cNvPicPr>
+            <a:picLocks noChangeAspect="1"/>
+          </p:cNvPicPr>
+          <p:nvPr userDrawn="1"/>
+        </p:nvPicPr>
+        <p:blipFill>
+          <a:blip r:embed="rId4">
+            <a:extLst>
+              <a:ext uri="{28A0092B-C50C-407E-A947-70E740481C1C}">
+                <a14:useLocalDpi xmlns:a14="http://schemas.microsoft.com/office/drawing/2010/main" val="0"/>
+              </a:ext>
+              <a:ext uri="{96DAC541-7B7A-43D3-8B79-37D633B846F1}">
+                <asvg:svgBlip xmlns:asvg="http://schemas.microsoft.com/office/drawing/2016/SVG/main" r:embed="rId5"/>
+              </a:ext>
+            </a:extLst>
+          </a:blip>
+          <a:stretch>
+            <a:fillRect/>
+          </a:stretch>
+        </p:blipFill>
+        <p:spPr>
+          <a:xfrm>
+            <a:off x="360693" y="5117612"/>
+            <a:ext cx="914400" cy="914400"/>
+          </a:xfrm>
+          <a:prstGeom prst="rect">
+            <a:avLst/>
+          </a:prstGeom>
+        </p:spPr>
+      </p:pic>
+      <p:pic>
+        <p:nvPicPr>
+          <p:cNvPr id="9" name="Graphic 8">
+            <a:extLst>
+              <a:ext uri="{FF2B5EF4-FFF2-40B4-BE49-F238E27FC236}">
+                <a16:creationId xmlns:a16="http://schemas.microsoft.com/office/drawing/2014/main" id="{D8670A90-7E6A-4736-99A5-CDCDD89EB2D0}"/>
+              </a:ext>
+            </a:extLst>
+          </p:cNvPr>
+          <p:cNvPicPr>
+            <a:picLocks noChangeAspect="1"/>
+          </p:cNvPicPr>
+          <p:nvPr userDrawn="1"/>
+        </p:nvPicPr>
+        <p:blipFill>
+          <a:blip r:embed="rId6">
+            <a:extLst>
+              <a:ext uri="{28A0092B-C50C-407E-A947-70E740481C1C}">
+                <a14:useLocalDpi xmlns:a14="http://schemas.microsoft.com/office/drawing/2010/main" val="0"/>
+              </a:ext>
+              <a:ext uri="{96DAC541-7B7A-43D3-8B79-37D633B846F1}">
+                <asvg:svgBlip xmlns:asvg="http://schemas.microsoft.com/office/drawing/2016/SVG/main" r:embed="rId7"/>
+              </a:ext>
+            </a:extLst>
+          </a:blip>
+          <a:stretch>
+            <a:fillRect/>
+          </a:stretch>
+        </p:blipFill>
+        <p:spPr>
+          <a:xfrm>
+            <a:off x="1504340" y="5112152"/>
+            <a:ext cx="914400" cy="914400"/>
+          </a:xfrm>
+          <a:prstGeom prst="rect">
+            <a:avLst/>
+          </a:prstGeom>
+        </p:spPr>
+      </p:pic>
+      <p:pic>
+        <p:nvPicPr>
+          <p:cNvPr id="10" name="Graphic 9">
+            <a:extLst>
+              <a:ext uri="{FF2B5EF4-FFF2-40B4-BE49-F238E27FC236}">
+                <a16:creationId xmlns:a16="http://schemas.microsoft.com/office/drawing/2014/main" id="{12A7F1AA-C2E0-42B9-BAF4-7B5C2E60B99C}"/>
+              </a:ext>
+            </a:extLst>
+          </p:cNvPr>
+          <p:cNvPicPr>
+            <a:picLocks noChangeAspect="1"/>
+          </p:cNvPicPr>
+          <p:nvPr userDrawn="1"/>
+        </p:nvPicPr>
+        <p:blipFill>
+          <a:blip r:embed="rId8">
+            <a:extLst>
+              <a:ext uri="{28A0092B-C50C-407E-A947-70E740481C1C}">
+                <a14:useLocalDpi xmlns:a14="http://schemas.microsoft.com/office/drawing/2010/main" val="0"/>
+              </a:ext>
+              <a:ext uri="{96DAC541-7B7A-43D3-8B79-37D633B846F1}">
+                <asvg:svgBlip xmlns:asvg="http://schemas.microsoft.com/office/drawing/2016/SVG/main" r:embed="rId9"/>
+              </a:ext>
+            </a:extLst>
+          </a:blip>
+          <a:stretch>
+            <a:fillRect/>
+          </a:stretch>
+        </p:blipFill>
+        <p:spPr>
+          <a:xfrm>
+            <a:off x="2809570" y="5117612"/>
+            <a:ext cx="914400" cy="914400"/>
+          </a:xfrm>
+          <a:prstGeom prst="rect">
+            <a:avLst/>
+          </a:prstGeom>
+        </p:spPr>
+      </p:pic>
+      <p:pic>
+        <p:nvPicPr>
+          <p:cNvPr id="11" name="Graphic 10">
+            <a:extLst>
+              <a:ext uri="{FF2B5EF4-FFF2-40B4-BE49-F238E27FC236}">
+                <a16:creationId xmlns:a16="http://schemas.microsoft.com/office/drawing/2014/main" id="{BEC31DEA-1F4C-44C7-BB96-6668FC0E356B}"/>
+              </a:ext>
+            </a:extLst>
+          </p:cNvPr>
+          <p:cNvPicPr>
+            <a:picLocks noChangeAspect="1"/>
+          </p:cNvPicPr>
+          <p:nvPr userDrawn="1"/>
+        </p:nvPicPr>
+        <p:blipFill>
+          <a:blip r:embed="rId10">
+            <a:extLst>
+              <a:ext uri="{28A0092B-C50C-407E-A947-70E740481C1C}">
+                <a14:useLocalDpi xmlns:a14="http://schemas.microsoft.com/office/drawing/2010/main" val="0"/>
+              </a:ext>
+              <a:ext uri="{96DAC541-7B7A-43D3-8B79-37D633B846F1}">
+                <asvg:svgBlip xmlns:asvg="http://schemas.microsoft.com/office/drawing/2016/SVG/main" r:embed="rId11"/>
+              </a:ext>
+            </a:extLst>
+          </a:blip>
+          <a:stretch>
+            <a:fillRect/>
+          </a:stretch>
+        </p:blipFill>
+        <p:spPr>
+          <a:xfrm>
+            <a:off x="4079375" y="5143506"/>
+            <a:ext cx="914400" cy="914400"/>
+          </a:xfrm>
+          <a:prstGeom prst="rect">
+            <a:avLst/>
+          </a:prstGeom>
+        </p:spPr>
+      </p:pic>
+      <p:sp>
+        <p:nvSpPr>
+          <p:cNvPr id="12" name="Picture Placeholder 7">
+            <a:extLst>
+              <a:ext uri="{FF2B5EF4-FFF2-40B4-BE49-F238E27FC236}">
+                <a16:creationId xmlns:a16="http://schemas.microsoft.com/office/drawing/2014/main" id="{1A995FF7-C836-41AF-8B75-9A2EA8C92D6D}"/>
+              </a:ext>
+            </a:extLst>
+          </p:cNvPr>
+          <p:cNvSpPr>
+            <a:spLocks noGrp="1"/>
+          </p:cNvSpPr>
+          <p:nvPr>
+            <p:ph type="pic" sz="quarter" idx="13" hasCustomPrompt="1"/>
+          </p:nvPr>
+        </p:nvSpPr>
+        <p:spPr>
+          <a:xfrm>
+            <a:off x="1378216" y="1545021"/>
+            <a:ext cx="3384184" cy="3176234"/>
+          </a:xfrm>
+          <a:prstGeom prst="ellipse">
+            <a:avLst/>
+          </a:prstGeom>
+        </p:spPr>
+        <p:txBody>
+          <a:bodyPr/>
+          <a:lstStyle>
+            <a:lvl1pPr marL="0" indent="0" algn="ctr">
+              <a:buNone/>
+              <a:defRPr sz="1400">
+                <a:solidFill>
+                  <a:schemeClr val="bg1"/>
+                </a:solidFill>
+                <a:latin typeface="+mj-lt"/>
+              </a:defRPr>
+            </a:lvl1pPr>
+          </a:lstStyle>
+          <a:p>
+            <a:r>
+              <a:rPr lang="en-CA" dirty="0"/>
+              <a:t>&lt;Speaker Headshot&gt;</a:t>
+            </a:r>
+          </a:p>
+        </p:txBody>
+      </p:sp>
+      <p:sp>
+        <p:nvSpPr>
+          <p:cNvPr id="13" name="Text Placeholder 18">
+            <a:extLst>
+              <a:ext uri="{FF2B5EF4-FFF2-40B4-BE49-F238E27FC236}">
+                <a16:creationId xmlns:a16="http://schemas.microsoft.com/office/drawing/2014/main" id="{7782FA84-8557-4A5C-A76F-758CC55D5801}"/>
+              </a:ext>
+            </a:extLst>
+          </p:cNvPr>
+          <p:cNvSpPr>
+            <a:spLocks noGrp="1"/>
+          </p:cNvSpPr>
+          <p:nvPr>
+            <p:ph type="body" sz="quarter" idx="16" hasCustomPrompt="1"/>
+          </p:nvPr>
+        </p:nvSpPr>
+        <p:spPr>
+          <a:xfrm>
+            <a:off x="5029200" y="3011575"/>
+            <a:ext cx="6796454" cy="646331"/>
+          </a:xfrm>
+          <a:prstGeom prst="rect">
+            <a:avLst/>
+          </a:prstGeom>
+        </p:spPr>
+        <p:txBody>
+          <a:bodyPr/>
+          <a:lstStyle>
+            <a:lvl1pPr marL="0" marR="0" indent="0" algn="ctr" defTabSz="914400" rtl="0" eaLnBrk="1" fontAlgn="auto" latinLnBrk="0" hangingPunct="1">
+              <a:lnSpc>
+                <a:spcPct val="90000"/>
+              </a:lnSpc>
+              <a:spcBef>
+                <a:spcPts val="1000"/>
+              </a:spcBef>
+              <a:spcAft>
+                <a:spcPts val="0"/>
+              </a:spcAft>
+              <a:buClrTx/>
+              <a:buSzTx/>
+              <a:buFontTx/>
+              <a:buNone/>
+              <a:tabLst/>
+              <a:defRPr sz="4800">
+                <a:solidFill>
+                  <a:srgbClr val="E797C9"/>
+                </a:solidFill>
+                <a:latin typeface="+mj-lt"/>
+              </a:defRPr>
+            </a:lvl1pPr>
+          </a:lstStyle>
+          <a:p>
+            <a:pPr lvl="0"/>
+            <a:r>
+              <a:rPr lang="en-CA" dirty="0"/>
+              <a:t>&lt;Speaker Title&gt;</a:t>
+            </a:r>
+          </a:p>
+        </p:txBody>
+      </p:sp>
+      <p:pic>
+        <p:nvPicPr>
+          <p:cNvPr id="14" name="Picture 13" descr="Logo&#10;&#10;Description generated with very high confidence">
+            <a:extLst>
+              <a:ext uri="{FF2B5EF4-FFF2-40B4-BE49-F238E27FC236}">
+                <a16:creationId xmlns:a16="http://schemas.microsoft.com/office/drawing/2014/main" id="{297E9C0B-C8E0-4339-8E34-AC81BC172DF6}"/>
+              </a:ext>
+            </a:extLst>
+          </p:cNvPr>
+          <p:cNvPicPr>
+            <a:picLocks noChangeAspect="1"/>
+          </p:cNvPicPr>
+          <p:nvPr userDrawn="1"/>
+        </p:nvPicPr>
+        <p:blipFill>
+          <a:blip r:embed="rId12" cstate="print">
+            <a:extLst>
+              <a:ext uri="{28A0092B-C50C-407E-A947-70E740481C1C}">
+                <a14:useLocalDpi xmlns:a14="http://schemas.microsoft.com/office/drawing/2010/main" val="0"/>
+              </a:ext>
+            </a:extLst>
+          </a:blip>
+          <a:stretch>
+            <a:fillRect/>
+          </a:stretch>
+        </p:blipFill>
+        <p:spPr>
+          <a:xfrm>
+            <a:off x="6199907" y="6227476"/>
+            <a:ext cx="1684399" cy="361902"/>
+          </a:xfrm>
+          <a:prstGeom prst="rect">
+            <a:avLst/>
+          </a:prstGeom>
+        </p:spPr>
+      </p:pic>
+      <p:sp>
+        <p:nvSpPr>
+          <p:cNvPr id="15" name="TextBox 14">
+            <a:extLst>
+              <a:ext uri="{FF2B5EF4-FFF2-40B4-BE49-F238E27FC236}">
+                <a16:creationId xmlns:a16="http://schemas.microsoft.com/office/drawing/2014/main" id="{8F249F1F-78DB-4D25-8AE3-F4863D20BC56}"/>
+              </a:ext>
+            </a:extLst>
+          </p:cNvPr>
+          <p:cNvSpPr txBox="1"/>
+          <p:nvPr userDrawn="1"/>
+        </p:nvSpPr>
+        <p:spPr>
+          <a:xfrm>
+            <a:off x="2172172" y="458907"/>
+            <a:ext cx="9899666" cy="523220"/>
+          </a:xfrm>
+          <a:prstGeom prst="rect">
+            <a:avLst/>
+          </a:prstGeom>
+          <a:noFill/>
+        </p:spPr>
+        <p:txBody>
+          <a:bodyPr wrap="square" rtlCol="0">
+            <a:spAutoFit/>
+          </a:bodyPr>
+          <a:lstStyle/>
+          <a:p>
+            <a:r>
+              <a:rPr lang="en-CA" sz="2800" dirty="0">
+                <a:solidFill>
+                  <a:srgbClr val="49CAED"/>
+                </a:solidFill>
+                <a:latin typeface="+mj-lt"/>
+              </a:rPr>
+              <a:t>GLOBAL POWER PLATFORM BOOTCAMP - &lt;City/User Group Name&gt;</a:t>
+            </a:r>
+          </a:p>
+        </p:txBody>
+      </p:sp>
     </p:spTree>
     <p:extLst>
       <p:ext uri="{BB962C8B-B14F-4D97-AF65-F5344CB8AC3E}">
-        <p14:creationId xmlns:p14="http://schemas.microsoft.com/office/powerpoint/2010/main" val="3004203082"/>
+        <p14:creationId xmlns:p14="http://schemas.microsoft.com/office/powerpoint/2010/main" val="4179155296"/>
       </p:ext>
     </p:extLst>
   </p:cSld>
@@ -581,46 +1486,6 @@
       </p:pic>
       <p:sp>
         <p:nvSpPr>
-          <p:cNvPr id="9" name="TextBox 8">
-            <a:extLst>
-              <a:ext uri="{FF2B5EF4-FFF2-40B4-BE49-F238E27FC236}">
-                <a16:creationId xmlns:a16="http://schemas.microsoft.com/office/drawing/2014/main" id="{027D745E-B020-4F51-933A-E21AFDFC9B99}"/>
-              </a:ext>
-            </a:extLst>
-          </p:cNvPr>
-          <p:cNvSpPr txBox="1"/>
-          <p:nvPr userDrawn="1"/>
-        </p:nvSpPr>
-        <p:spPr>
-          <a:xfrm>
-            <a:off x="2172172" y="458907"/>
-            <a:ext cx="9478108" cy="830997"/>
-          </a:xfrm>
-          <a:prstGeom prst="rect">
-            <a:avLst/>
-          </a:prstGeom>
-          <a:noFill/>
-        </p:spPr>
-        <p:txBody>
-          <a:bodyPr wrap="square" rtlCol="0">
-            <a:spAutoFit/>
-          </a:bodyPr>
-          <a:lstStyle/>
-          <a:p>
-            <a:r>
-              <a:rPr lang="en-CA" sz="4800" dirty="0">
-                <a:solidFill>
-                  <a:schemeClr val="bg1"/>
-                </a:solidFill>
-                <a:latin typeface="+mj-lt"/>
-              </a:rPr>
-              <a:t>Global Power Platform Bootcamp 2021</a:t>
-            </a:r>
-          </a:p>
-        </p:txBody>
-      </p:sp>
-      <p:sp>
-        <p:nvSpPr>
           <p:cNvPr id="10" name="TextBox 9">
             <a:extLst>
               <a:ext uri="{FF2B5EF4-FFF2-40B4-BE49-F238E27FC236}">
@@ -648,11 +1513,13 @@
           <a:lstStyle/>
           <a:p>
             <a:r>
-              <a:rPr lang="en-CA" dirty="0">
-                <a:solidFill>
-                  <a:schemeClr val="bg1"/>
+              <a:rPr lang="en-CA" sz="1800" kern="1200" dirty="0">
+                <a:solidFill>
+                  <a:srgbClr val="74BFFD"/>
                 </a:solidFill>
                 <a:latin typeface="+mj-lt"/>
+                <a:ea typeface="+mn-ea"/>
+                <a:cs typeface="+mn-cs"/>
               </a:rPr>
               <a:t>#GLOBALPOWERPLATFORMBOOTCAMP #GPPB2021</a:t>
             </a:r>
@@ -669,7 +1536,7 @@
   <p:clrMap bg1="lt1" tx1="dk1" bg2="lt2" tx2="dk2" accent1="accent1" accent2="accent2" accent3="accent3" accent4="accent4" accent5="accent5" accent6="accent6" hlink="hlink" folHlink="folHlink"/>
   <p:sldLayoutIdLst>
     <p:sldLayoutId id="2147483650" r:id="rId1"/>
-    <p:sldLayoutId id="2147483651" r:id="rId2"/>
+    <p:sldLayoutId id="2147483652" r:id="rId2"/>
   </p:sldLayoutIdLst>
   <p:txStyles>
     <p:titleStyle>
@@ -1052,6 +1919,129 @@
 </p:sld>
 </file>
 
+<file path=ppt/slides/slide2.xml><?xml version="1.0" encoding="utf-8"?>
+<p:sld xmlns:a="http://schemas.openxmlformats.org/drawingml/2006/main" xmlns:r="http://schemas.openxmlformats.org/officeDocument/2006/relationships" xmlns:p="http://schemas.openxmlformats.org/presentationml/2006/main">
+  <p:cSld>
+    <p:spTree>
+      <p:nvGrpSpPr>
+        <p:cNvPr id="1" name=""/>
+        <p:cNvGrpSpPr/>
+        <p:nvPr/>
+      </p:nvGrpSpPr>
+      <p:grpSpPr>
+        <a:xfrm>
+          <a:off x="0" y="0"/>
+          <a:ext cx="0" cy="0"/>
+          <a:chOff x="0" y="0"/>
+          <a:chExt cx="0" cy="0"/>
+        </a:xfrm>
+      </p:grpSpPr>
+      <p:sp>
+        <p:nvSpPr>
+          <p:cNvPr id="2" name="Text Placeholder 1">
+            <a:extLst>
+              <a:ext uri="{FF2B5EF4-FFF2-40B4-BE49-F238E27FC236}">
+                <a16:creationId xmlns:a16="http://schemas.microsoft.com/office/drawing/2014/main" id="{829FB16B-80AF-47E6-845A-C16A84B20400}"/>
+              </a:ext>
+            </a:extLst>
+          </p:cNvPr>
+          <p:cNvSpPr>
+            <a:spLocks noGrp="1"/>
+          </p:cNvSpPr>
+          <p:nvPr>
+            <p:ph type="body" sz="quarter" idx="14"/>
+          </p:nvPr>
+        </p:nvSpPr>
+        <p:spPr/>
+        <p:txBody>
+          <a:bodyPr/>
+          <a:lstStyle/>
+          <a:p>
+            <a:endParaRPr lang="en-CA"/>
+          </a:p>
+        </p:txBody>
+      </p:sp>
+      <p:sp>
+        <p:nvSpPr>
+          <p:cNvPr id="3" name="Text Placeholder 2">
+            <a:extLst>
+              <a:ext uri="{FF2B5EF4-FFF2-40B4-BE49-F238E27FC236}">
+                <a16:creationId xmlns:a16="http://schemas.microsoft.com/office/drawing/2014/main" id="{5145C1A9-A16D-4762-99E3-0965EC5A6768}"/>
+              </a:ext>
+            </a:extLst>
+          </p:cNvPr>
+          <p:cNvSpPr>
+            <a:spLocks noGrp="1"/>
+          </p:cNvSpPr>
+          <p:nvPr>
+            <p:ph type="body" sz="quarter" idx="15"/>
+          </p:nvPr>
+        </p:nvSpPr>
+        <p:spPr/>
+        <p:txBody>
+          <a:bodyPr/>
+          <a:lstStyle/>
+          <a:p>
+            <a:endParaRPr lang="en-CA"/>
+          </a:p>
+        </p:txBody>
+      </p:sp>
+      <p:sp>
+        <p:nvSpPr>
+          <p:cNvPr id="4" name="Picture Placeholder 3">
+            <a:extLst>
+              <a:ext uri="{FF2B5EF4-FFF2-40B4-BE49-F238E27FC236}">
+                <a16:creationId xmlns:a16="http://schemas.microsoft.com/office/drawing/2014/main" id="{560F5710-38B2-4D35-977F-7382C526C0EE}"/>
+              </a:ext>
+            </a:extLst>
+          </p:cNvPr>
+          <p:cNvSpPr>
+            <a:spLocks noGrp="1"/>
+          </p:cNvSpPr>
+          <p:nvPr>
+            <p:ph type="pic" sz="quarter" idx="13"/>
+          </p:nvPr>
+        </p:nvSpPr>
+        <p:spPr/>
+      </p:sp>
+      <p:sp>
+        <p:nvSpPr>
+          <p:cNvPr id="5" name="Text Placeholder 4">
+            <a:extLst>
+              <a:ext uri="{FF2B5EF4-FFF2-40B4-BE49-F238E27FC236}">
+                <a16:creationId xmlns:a16="http://schemas.microsoft.com/office/drawing/2014/main" id="{B50D01FB-C88C-4444-91AF-240C704B1347}"/>
+              </a:ext>
+            </a:extLst>
+          </p:cNvPr>
+          <p:cNvSpPr>
+            <a:spLocks noGrp="1"/>
+          </p:cNvSpPr>
+          <p:nvPr>
+            <p:ph type="body" sz="quarter" idx="16"/>
+          </p:nvPr>
+        </p:nvSpPr>
+        <p:spPr/>
+        <p:txBody>
+          <a:bodyPr/>
+          <a:lstStyle/>
+          <a:p>
+            <a:endParaRPr lang="en-CA"/>
+          </a:p>
+        </p:txBody>
+      </p:sp>
+    </p:spTree>
+    <p:extLst>
+      <p:ext uri="{BB962C8B-B14F-4D97-AF65-F5344CB8AC3E}">
+        <p14:creationId xmlns:p14="http://schemas.microsoft.com/office/powerpoint/2010/main" val="3166082407"/>
+      </p:ext>
+    </p:extLst>
+  </p:cSld>
+  <p:clrMapOvr>
+    <a:masterClrMapping/>
+  </p:clrMapOvr>
+</p:sld>
+</file>
+
 <file path=ppt/theme/theme1.xml><?xml version="1.0" encoding="utf-8"?>
 <a:theme xmlns:a="http://schemas.openxmlformats.org/drawingml/2006/main" name="Office Theme">
   <a:themeElements>
@@ -1254,6 +2244,21 @@
 </file>
 
 <file path=customXml/item1.xml><?xml version="1.0" encoding="utf-8"?>
+<?mso-contentType ?>
+<FormTemplates xmlns="http://schemas.microsoft.com/sharepoint/v3/contenttype/forms">
+  <Display>DocumentLibraryForm</Display>
+  <Edit>DocumentLibraryForm</Edit>
+  <New>DocumentLibraryForm</New>
+</FormTemplates>
+</file>
+
+<file path=customXml/item2.xml><?xml version="1.0" encoding="utf-8"?>
+<p:properties xmlns:p="http://schemas.microsoft.com/office/2006/metadata/properties" xmlns:xsi="http://www.w3.org/2001/XMLSchema-instance" xmlns:pc="http://schemas.microsoft.com/office/infopath/2007/PartnerControls">
+  <documentManagement/>
+</p:properties>
+</file>
+
+<file path=customXml/item3.xml><?xml version="1.0" encoding="utf-8"?>
 <ct:contentTypeSchema xmlns:ct="http://schemas.microsoft.com/office/2006/metadata/contentType" xmlns:ma="http://schemas.microsoft.com/office/2006/metadata/properties/metaAttributes" ct:_="" ma:_="" ma:contentTypeName="Document" ma:contentTypeID="0x010100F6BDD08CCF370849A2D407B3E3FB0E50" ma:contentTypeVersion="6" ma:contentTypeDescription="Create a new document." ma:contentTypeScope="" ma:versionID="67b8d404d50ab64c6da975ce4eaec4ee">
   <xsd:schema xmlns:xsd="http://www.w3.org/2001/XMLSchema" xmlns:xs="http://www.w3.org/2001/XMLSchema" xmlns:p="http://schemas.microsoft.com/office/2006/metadata/properties" xmlns:ns2="774ed329-f2c8-4afb-9f87-f277f9430717" targetNamespace="http://schemas.microsoft.com/office/2006/metadata/properties" ma:root="true" ma:fieldsID="2ee7a84ba5c28d271e27e06945b3db8f" ns2:_="">
     <xsd:import namespace="774ed329-f2c8-4afb-9f87-f277f9430717"/>
@@ -1411,35 +2416,10 @@
 </ct:contentTypeSchema>
 </file>
 
-<file path=customXml/item2.xml><?xml version="1.0" encoding="utf-8"?>
-<p:properties xmlns:p="http://schemas.microsoft.com/office/2006/metadata/properties" xmlns:xsi="http://www.w3.org/2001/XMLSchema-instance" xmlns:pc="http://schemas.microsoft.com/office/infopath/2007/PartnerControls">
-  <documentManagement/>
-</p:properties>
-</file>
-
-<file path=customXml/item3.xml><?xml version="1.0" encoding="utf-8"?>
-<?mso-contentType ?>
-<FormTemplates xmlns="http://schemas.microsoft.com/sharepoint/v3/contenttype/forms">
-  <Display>DocumentLibraryForm</Display>
-  <Edit>DocumentLibraryForm</Edit>
-  <New>DocumentLibraryForm</New>
-</FormTemplates>
-</file>
-
 <file path=customXml/itemProps1.xml><?xml version="1.0" encoding="utf-8"?>
-<ds:datastoreItem xmlns:ds="http://schemas.openxmlformats.org/officeDocument/2006/customXml" ds:itemID="{B82D51DF-B950-4ADF-B00C-C6AE7EAF455E}">
+<ds:datastoreItem xmlns:ds="http://schemas.openxmlformats.org/officeDocument/2006/customXml" ds:itemID="{646C0C05-D953-4444-8405-0E47656BF76E}">
   <ds:schemaRefs>
-    <ds:schemaRef ds:uri="http://schemas.microsoft.com/office/2006/metadata/contentType"/>
-    <ds:schemaRef ds:uri="http://schemas.microsoft.com/office/2006/metadata/properties/metaAttributes"/>
-    <ds:schemaRef ds:uri="http://www.w3.org/2001/XMLSchema"/>
-    <ds:schemaRef ds:uri="http://schemas.microsoft.com/office/2006/metadata/properties"/>
-    <ds:schemaRef ds:uri="774ed329-f2c8-4afb-9f87-f277f9430717"/>
-    <ds:schemaRef ds:uri="http://schemas.microsoft.com/office/2006/documentManagement/types"/>
-    <ds:schemaRef ds:uri="http://schemas.microsoft.com/office/infopath/2007/PartnerControls"/>
-    <ds:schemaRef ds:uri="http://schemas.openxmlformats.org/package/2006/metadata/core-properties"/>
-    <ds:schemaRef ds:uri="http://purl.org/dc/elements/1.1/"/>
-    <ds:schemaRef ds:uri="http://purl.org/dc/terms/"/>
-    <ds:schemaRef ds:uri="http://schemas.microsoft.com/internal/obd"/>
+    <ds:schemaRef ds:uri="http://schemas.microsoft.com/sharepoint/v3/contenttype/forms"/>
   </ds:schemaRefs>
 </ds:datastoreItem>
 </file>
@@ -1461,9 +2441,19 @@
 </file>
 
 <file path=customXml/itemProps3.xml><?xml version="1.0" encoding="utf-8"?>
-<ds:datastoreItem xmlns:ds="http://schemas.openxmlformats.org/officeDocument/2006/customXml" ds:itemID="{646C0C05-D953-4444-8405-0E47656BF76E}">
+<ds:datastoreItem xmlns:ds="http://schemas.openxmlformats.org/officeDocument/2006/customXml" ds:itemID="{B82D51DF-B950-4ADF-B00C-C6AE7EAF455E}">
   <ds:schemaRefs>
-    <ds:schemaRef ds:uri="http://schemas.microsoft.com/sharepoint/v3/contenttype/forms"/>
+    <ds:schemaRef ds:uri="http://schemas.microsoft.com/office/2006/metadata/contentType"/>
+    <ds:schemaRef ds:uri="http://schemas.microsoft.com/office/2006/metadata/properties/metaAttributes"/>
+    <ds:schemaRef ds:uri="http://www.w3.org/2001/XMLSchema"/>
+    <ds:schemaRef ds:uri="http://schemas.microsoft.com/office/2006/metadata/properties"/>
+    <ds:schemaRef ds:uri="774ed329-f2c8-4afb-9f87-f277f9430717"/>
+    <ds:schemaRef ds:uri="http://schemas.microsoft.com/office/2006/documentManagement/types"/>
+    <ds:schemaRef ds:uri="http://schemas.microsoft.com/office/infopath/2007/PartnerControls"/>
+    <ds:schemaRef ds:uri="http://schemas.openxmlformats.org/package/2006/metadata/core-properties"/>
+    <ds:schemaRef ds:uri="http://purl.org/dc/elements/1.1/"/>
+    <ds:schemaRef ds:uri="http://purl.org/dc/terms/"/>
+    <ds:schemaRef ds:uri="http://schemas.microsoft.com/internal/obd"/>
   </ds:schemaRefs>
 </ds:datastoreItem>
 </file>
--- a/Event Materials/Speaker/GPPB2021 Speaker Social Share Deck.pptx
+++ b/Event Materials/Speaker/GPPB2021 Speaker Social Share Deck.pptx
@@ -5,8 +5,10 @@
     <p:sldMasterId id="2147483648" r:id="rId4"/>
   </p:sldMasterIdLst>
   <p:sldIdLst>
-    <p:sldId id="265" r:id="rId5"/>
-    <p:sldId id="266" r:id="rId6"/>
+    <p:sldId id="256" r:id="rId5"/>
+    <p:sldId id="257" r:id="rId6"/>
+    <p:sldId id="258" r:id="rId7"/>
+    <p:sldId id="259" r:id="rId8"/>
   </p:sldIdLst>
   <p:sldSz cx="12192000" cy="6858000"/>
   <p:notesSz cx="6858000" cy="9144000"/>
@@ -291,179 +293,12 @@
           </a:p>
         </p:txBody>
       </p:sp>
-      <p:sp>
-        <p:nvSpPr>
-          <p:cNvPr id="20" name="TextBox 19">
-            <a:extLst>
-              <a:ext uri="{FF2B5EF4-FFF2-40B4-BE49-F238E27FC236}">
-                <a16:creationId xmlns:a16="http://schemas.microsoft.com/office/drawing/2014/main" id="{62327C34-9FA1-4A7E-B54B-E472812BA018}"/>
-              </a:ext>
-            </a:extLst>
-          </p:cNvPr>
-          <p:cNvSpPr txBox="1"/>
-          <p:nvPr userDrawn="1"/>
-        </p:nvSpPr>
-        <p:spPr>
-          <a:xfrm>
-            <a:off x="5029199" y="4728341"/>
-            <a:ext cx="6796453" cy="2123658"/>
-          </a:xfrm>
-          <a:prstGeom prst="rect">
-            <a:avLst/>
-          </a:prstGeom>
-          <a:noFill/>
-        </p:spPr>
-        <p:txBody>
-          <a:bodyPr wrap="square" rtlCol="0">
-            <a:spAutoFit/>
-          </a:bodyPr>
-          <a:lstStyle/>
-          <a:p>
-            <a:pPr algn="ctr"/>
-            <a:r>
-              <a:rPr lang="en-CA" sz="1800" kern="1200" dirty="0">
-                <a:solidFill>
-                  <a:srgbClr val="7EC6FE"/>
-                </a:solidFill>
-                <a:latin typeface="+mj-lt"/>
-                <a:ea typeface="+mn-ea"/>
-                <a:cs typeface="+mn-cs"/>
-              </a:rPr>
-              <a:t>February 19</a:t>
-            </a:r>
-            <a:r>
-              <a:rPr lang="en-CA" sz="1800" kern="1200" baseline="30000" dirty="0">
-                <a:solidFill>
-                  <a:srgbClr val="7EC6FE"/>
-                </a:solidFill>
-                <a:latin typeface="+mj-lt"/>
-                <a:ea typeface="+mn-ea"/>
-                <a:cs typeface="+mn-cs"/>
-              </a:rPr>
-              <a:t>th</a:t>
-            </a:r>
-            <a:r>
-              <a:rPr lang="en-CA" sz="1800" kern="1200" dirty="0">
-                <a:solidFill>
-                  <a:srgbClr val="7EC6FE"/>
-                </a:solidFill>
-                <a:latin typeface="+mj-lt"/>
-                <a:ea typeface="+mn-ea"/>
-                <a:cs typeface="+mn-cs"/>
-              </a:rPr>
-              <a:t> 2021 – February 20</a:t>
-            </a:r>
-            <a:r>
-              <a:rPr lang="en-CA" sz="1800" kern="1200" baseline="30000" dirty="0">
-                <a:solidFill>
-                  <a:srgbClr val="7EC6FE"/>
-                </a:solidFill>
-                <a:latin typeface="+mj-lt"/>
-                <a:ea typeface="+mn-ea"/>
-                <a:cs typeface="+mn-cs"/>
-              </a:rPr>
-              <a:t>th</a:t>
-            </a:r>
-            <a:r>
-              <a:rPr lang="en-CA" sz="1800" kern="1200" dirty="0">
-                <a:solidFill>
-                  <a:srgbClr val="7EC6FE"/>
-                </a:solidFill>
-                <a:latin typeface="+mj-lt"/>
-                <a:ea typeface="+mn-ea"/>
-                <a:cs typeface="+mn-cs"/>
-              </a:rPr>
-              <a:t> 2021</a:t>
-            </a:r>
-          </a:p>
-          <a:p>
-            <a:endParaRPr lang="en-CA" dirty="0"/>
-          </a:p>
-          <a:p>
-            <a:pPr algn="ctr"/>
-            <a:r>
-              <a:rPr lang="en-CA" sz="2400" kern="1200" dirty="0">
-                <a:solidFill>
-                  <a:srgbClr val="F8DE6E"/>
-                </a:solidFill>
-                <a:latin typeface="+mj-lt"/>
-                <a:ea typeface="+mn-ea"/>
-                <a:cs typeface="+mn-cs"/>
-                <a:hlinkClick r:id="rId2">
-                  <a:extLst>
-                    <a:ext uri="{A12FA001-AC4F-418D-AE19-62706E023703}">
-                      <ahyp:hlinkClr xmlns:ahyp="http://schemas.microsoft.com/office/drawing/2018/hyperlinkcolor" val="tx"/>
-                    </a:ext>
-                  </a:extLst>
-                </a:hlinkClick>
-              </a:rPr>
-              <a:t>www.PowerPlatformBootcamp.com</a:t>
-            </a:r>
-            <a:endParaRPr lang="en-CA" sz="2400" kern="1200" dirty="0">
-              <a:solidFill>
-                <a:srgbClr val="F8DE6E"/>
-              </a:solidFill>
-              <a:latin typeface="+mj-lt"/>
-              <a:ea typeface="+mn-ea"/>
-              <a:cs typeface="+mn-cs"/>
-            </a:endParaRPr>
-          </a:p>
-          <a:p>
-            <a:r>
-              <a:rPr lang="en-CA" dirty="0">
-                <a:solidFill>
-                  <a:schemeClr val="bg1"/>
-                </a:solidFill>
-              </a:rPr>
-              <a:t>         </a:t>
-            </a:r>
-          </a:p>
-          <a:p>
-            <a:pPr algn="r"/>
-            <a:r>
-              <a:rPr lang="en-CA" dirty="0">
-                <a:solidFill>
-                  <a:schemeClr val="bg1"/>
-                </a:solidFill>
-              </a:rPr>
-              <a:t> </a:t>
-            </a:r>
-          </a:p>
-          <a:p>
-            <a:pPr algn="r"/>
-            <a:r>
-              <a:rPr lang="en-CA" dirty="0">
-                <a:solidFill>
-                  <a:schemeClr val="bg1"/>
-                </a:solidFill>
-              </a:rPr>
-              <a:t>@</a:t>
-            </a:r>
-            <a:r>
-              <a:rPr lang="en-CA" dirty="0" err="1">
-                <a:solidFill>
-                  <a:schemeClr val="bg1"/>
-                </a:solidFill>
-              </a:rPr>
-              <a:t>GPPBootcamp</a:t>
-            </a:r>
-            <a:endParaRPr lang="en-CA" dirty="0">
-              <a:solidFill>
-                <a:schemeClr val="bg1"/>
-              </a:solidFill>
-            </a:endParaRPr>
-          </a:p>
-          <a:p>
-            <a:endParaRPr lang="en-CA" dirty="0"/>
-          </a:p>
-        </p:txBody>
-      </p:sp>
       <p:pic>
         <p:nvPicPr>
-          <p:cNvPr id="22" name="Picture 21" descr="A picture containing text, clipart&#10;&#10;Description generated with very high confidence">
-            <a:extLst>
-              <a:ext uri="{FF2B5EF4-FFF2-40B4-BE49-F238E27FC236}">
-                <a16:creationId xmlns:a16="http://schemas.microsoft.com/office/drawing/2014/main" id="{B0378663-22D8-4D32-A407-0670B3A1D350}"/>
+          <p:cNvPr id="7" name="Graphic 6">
+            <a:extLst>
+              <a:ext uri="{FF2B5EF4-FFF2-40B4-BE49-F238E27FC236}">
+                <a16:creationId xmlns:a16="http://schemas.microsoft.com/office/drawing/2014/main" id="{BA3C85F9-16CE-433F-88B2-F96C32A153F1}"/>
               </a:ext>
             </a:extLst>
           </p:cNvPr>
@@ -473,49 +308,13 @@
           <p:nvPr userDrawn="1"/>
         </p:nvPicPr>
         <p:blipFill>
-          <a:blip r:embed="rId3" cstate="print">
+          <a:blip r:embed="rId2">
             <a:extLst>
               <a:ext uri="{28A0092B-C50C-407E-A947-70E740481C1C}">
                 <a14:useLocalDpi xmlns:a14="http://schemas.microsoft.com/office/drawing/2010/main" val="0"/>
               </a:ext>
-            </a:extLst>
-          </a:blip>
-          <a:stretch>
-            <a:fillRect/>
-          </a:stretch>
-        </p:blipFill>
-        <p:spPr>
-          <a:xfrm>
-            <a:off x="9434258" y="6171798"/>
-            <a:ext cx="447698" cy="447698"/>
-          </a:xfrm>
-          <a:prstGeom prst="rect">
-            <a:avLst/>
-          </a:prstGeom>
-        </p:spPr>
-      </p:pic>
-      <p:pic>
-        <p:nvPicPr>
-          <p:cNvPr id="7" name="Graphic 6">
-            <a:extLst>
-              <a:ext uri="{FF2B5EF4-FFF2-40B4-BE49-F238E27FC236}">
-                <a16:creationId xmlns:a16="http://schemas.microsoft.com/office/drawing/2014/main" id="{BA3C85F9-16CE-433F-88B2-F96C32A153F1}"/>
-              </a:ext>
-            </a:extLst>
-          </p:cNvPr>
-          <p:cNvPicPr>
-            <a:picLocks noChangeAspect="1"/>
-          </p:cNvPicPr>
-          <p:nvPr userDrawn="1"/>
-        </p:nvPicPr>
-        <p:blipFill>
-          <a:blip r:embed="rId4">
-            <a:extLst>
-              <a:ext uri="{28A0092B-C50C-407E-A947-70E740481C1C}">
-                <a14:useLocalDpi xmlns:a14="http://schemas.microsoft.com/office/drawing/2010/main" val="0"/>
-              </a:ext>
               <a:ext uri="{96DAC541-7B7A-43D3-8B79-37D633B846F1}">
-                <asvg:svgBlip xmlns:asvg="http://schemas.microsoft.com/office/drawing/2016/SVG/main" r:embed="rId5"/>
+                <asvg:svgBlip xmlns:asvg="http://schemas.microsoft.com/office/drawing/2016/SVG/main" r:embed="rId3"/>
               </a:ext>
             </a:extLst>
           </a:blip>
@@ -548,13 +347,13 @@
           <p:nvPr userDrawn="1"/>
         </p:nvPicPr>
         <p:blipFill>
-          <a:blip r:embed="rId6">
+          <a:blip r:embed="rId4">
             <a:extLst>
               <a:ext uri="{28A0092B-C50C-407E-A947-70E740481C1C}">
                 <a14:useLocalDpi xmlns:a14="http://schemas.microsoft.com/office/drawing/2010/main" val="0"/>
               </a:ext>
               <a:ext uri="{96DAC541-7B7A-43D3-8B79-37D633B846F1}">
-                <asvg:svgBlip xmlns:asvg="http://schemas.microsoft.com/office/drawing/2016/SVG/main" r:embed="rId7"/>
+                <asvg:svgBlip xmlns:asvg="http://schemas.microsoft.com/office/drawing/2016/SVG/main" r:embed="rId5"/>
               </a:ext>
             </a:extLst>
           </a:blip>
@@ -587,13 +386,13 @@
           <p:nvPr userDrawn="1"/>
         </p:nvPicPr>
         <p:blipFill>
-          <a:blip r:embed="rId8">
+          <a:blip r:embed="rId6">
             <a:extLst>
               <a:ext uri="{28A0092B-C50C-407E-A947-70E740481C1C}">
                 <a14:useLocalDpi xmlns:a14="http://schemas.microsoft.com/office/drawing/2010/main" val="0"/>
               </a:ext>
               <a:ext uri="{96DAC541-7B7A-43D3-8B79-37D633B846F1}">
-                <asvg:svgBlip xmlns:asvg="http://schemas.microsoft.com/office/drawing/2016/SVG/main" r:embed="rId9"/>
+                <asvg:svgBlip xmlns:asvg="http://schemas.microsoft.com/office/drawing/2016/SVG/main" r:embed="rId7"/>
               </a:ext>
             </a:extLst>
           </a:blip>
@@ -626,13 +425,13 @@
           <p:nvPr userDrawn="1"/>
         </p:nvPicPr>
         <p:blipFill>
-          <a:blip r:embed="rId10">
+          <a:blip r:embed="rId8">
             <a:extLst>
               <a:ext uri="{28A0092B-C50C-407E-A947-70E740481C1C}">
                 <a14:useLocalDpi xmlns:a14="http://schemas.microsoft.com/office/drawing/2010/main" val="0"/>
               </a:ext>
               <a:ext uri="{96DAC541-7B7A-43D3-8B79-37D633B846F1}">
-                <asvg:svgBlip xmlns:asvg="http://schemas.microsoft.com/office/drawing/2016/SVG/main" r:embed="rId11"/>
+                <asvg:svgBlip xmlns:asvg="http://schemas.microsoft.com/office/drawing/2016/SVG/main" r:embed="rId9"/>
               </a:ext>
             </a:extLst>
           </a:blip>
@@ -665,7 +464,7 @@
           <p:nvPr userDrawn="1"/>
         </p:nvPicPr>
         <p:blipFill>
-          <a:blip r:embed="rId12" cstate="print">
+          <a:blip r:embed="rId10" cstate="print">
             <a:extLst>
               <a:ext uri="{28A0092B-C50C-407E-A947-70E740481C1C}">
                 <a14:useLocalDpi xmlns:a14="http://schemas.microsoft.com/office/drawing/2010/main" val="0"/>
@@ -678,7 +477,7 @@
         </p:blipFill>
         <p:spPr>
           <a:xfrm>
-            <a:off x="6199907" y="6227476"/>
+            <a:off x="10270102" y="6399093"/>
             <a:ext cx="1684399" cy="361902"/>
           </a:xfrm>
           <a:prstGeom prst="rect">
@@ -688,34 +487,74 @@
       </p:pic>
       <p:sp>
         <p:nvSpPr>
-          <p:cNvPr id="13" name="TextBox 12">
-            <a:extLst>
-              <a:ext uri="{FF2B5EF4-FFF2-40B4-BE49-F238E27FC236}">
-                <a16:creationId xmlns:a16="http://schemas.microsoft.com/office/drawing/2014/main" id="{BAD3FB2B-D548-4F45-A746-6E1CD3B4AF38}"/>
-              </a:ext>
-            </a:extLst>
-          </p:cNvPr>
-          <p:cNvSpPr txBox="1"/>
-          <p:nvPr userDrawn="1"/>
+          <p:cNvPr id="2" name="Title 1">
+            <a:extLst>
+              <a:ext uri="{FF2B5EF4-FFF2-40B4-BE49-F238E27FC236}">
+                <a16:creationId xmlns:a16="http://schemas.microsoft.com/office/drawing/2014/main" id="{DB11F83A-953B-4A76-AE2D-BF2664CFF13E}"/>
+              </a:ext>
+            </a:extLst>
+          </p:cNvPr>
+          <p:cNvSpPr>
+            <a:spLocks noGrp="1"/>
+          </p:cNvSpPr>
+          <p:nvPr>
+            <p:ph type="title" hasCustomPrompt="1"/>
+          </p:nvPr>
         </p:nvSpPr>
         <p:spPr>
           <a:xfrm>
-            <a:off x="2172172" y="458907"/>
-            <a:ext cx="9899666" cy="523220"/>
+            <a:off x="1961540" y="218324"/>
+            <a:ext cx="9992961" cy="1325563"/>
           </a:xfrm>
           <a:prstGeom prst="rect">
             <a:avLst/>
           </a:prstGeom>
-          <a:noFill/>
         </p:spPr>
         <p:txBody>
-          <a:bodyPr wrap="square" rtlCol="0">
-            <a:spAutoFit/>
-          </a:bodyPr>
-          <a:lstStyle/>
-          <a:p>
+          <a:bodyPr/>
+          <a:lstStyle>
+            <a:lvl1pPr marL="0" marR="0" indent="0" algn="l" defTabSz="914400" rtl="0" eaLnBrk="1" fontAlgn="auto" latinLnBrk="0" hangingPunct="1">
+              <a:lnSpc>
+                <a:spcPct val="90000"/>
+              </a:lnSpc>
+              <a:spcBef>
+                <a:spcPct val="0"/>
+              </a:spcBef>
+              <a:spcAft>
+                <a:spcPts val="0"/>
+              </a:spcAft>
+              <a:buClrTx/>
+              <a:buSzTx/>
+              <a:buFontTx/>
+              <a:buNone/>
+              <a:tabLst/>
+              <a:defRPr>
+                <a:solidFill>
+                  <a:srgbClr val="49CAED"/>
+                </a:solidFill>
+              </a:defRPr>
+            </a:lvl1pPr>
+          </a:lstStyle>
+          <a:p>
+            <a:pPr marL="0" marR="0" lvl="0" indent="0" algn="l" defTabSz="914400" rtl="0" eaLnBrk="1" fontAlgn="auto" latinLnBrk="0" hangingPunct="1">
+              <a:lnSpc>
+                <a:spcPct val="90000"/>
+              </a:lnSpc>
+              <a:spcBef>
+                <a:spcPct val="0"/>
+              </a:spcBef>
+              <a:spcAft>
+                <a:spcPts val="0"/>
+              </a:spcAft>
+              <a:buClrTx/>
+              <a:buSzTx/>
+              <a:buFontTx/>
+              <a:buNone/>
+              <a:tabLst/>
+              <a:defRPr/>
+            </a:pPr>
             <a:r>
-              <a:rPr lang="en-CA" sz="2800" dirty="0">
+              <a:rPr lang="en-CA" sz="4400" dirty="0">
                 <a:solidFill>
                   <a:srgbClr val="49CAED"/>
                 </a:solidFill>
@@ -723,6 +562,15 @@
               </a:rPr>
               <a:t>GLOBAL POWER PLATFORM BOOTCAMP - &lt;City/User Group Name&gt;</a:t>
             </a:r>
+            <a:br>
+              <a:rPr lang="en-CA" sz="4400" dirty="0">
+                <a:solidFill>
+                  <a:srgbClr val="49CAED"/>
+                </a:solidFill>
+                <a:latin typeface="+mj-lt"/>
+              </a:rPr>
+            </a:br>
+            <a:endParaRPr lang="en-CA" dirty="0"/>
           </a:p>
         </p:txBody>
       </p:sp>
@@ -863,179 +711,12 @@
           </a:p>
         </p:txBody>
       </p:sp>
-      <p:sp>
-        <p:nvSpPr>
-          <p:cNvPr id="20" name="TextBox 19">
-            <a:extLst>
-              <a:ext uri="{FF2B5EF4-FFF2-40B4-BE49-F238E27FC236}">
-                <a16:creationId xmlns:a16="http://schemas.microsoft.com/office/drawing/2014/main" id="{62327C34-9FA1-4A7E-B54B-E472812BA018}"/>
-              </a:ext>
-            </a:extLst>
-          </p:cNvPr>
-          <p:cNvSpPr txBox="1"/>
-          <p:nvPr userDrawn="1"/>
-        </p:nvSpPr>
-        <p:spPr>
-          <a:xfrm>
-            <a:off x="5029199" y="4728341"/>
-            <a:ext cx="6796453" cy="2123658"/>
-          </a:xfrm>
-          <a:prstGeom prst="rect">
-            <a:avLst/>
-          </a:prstGeom>
-          <a:noFill/>
-        </p:spPr>
-        <p:txBody>
-          <a:bodyPr wrap="square" rtlCol="0">
-            <a:spAutoFit/>
-          </a:bodyPr>
-          <a:lstStyle/>
-          <a:p>
-            <a:pPr algn="ctr"/>
-            <a:r>
-              <a:rPr lang="en-CA" sz="1800" kern="1200" dirty="0">
-                <a:solidFill>
-                  <a:srgbClr val="7EC6FE"/>
-                </a:solidFill>
-                <a:latin typeface="+mj-lt"/>
-                <a:ea typeface="+mn-ea"/>
-                <a:cs typeface="+mn-cs"/>
-              </a:rPr>
-              <a:t>February 19</a:t>
-            </a:r>
-            <a:r>
-              <a:rPr lang="en-CA" sz="1800" kern="1200" baseline="30000" dirty="0">
-                <a:solidFill>
-                  <a:srgbClr val="7EC6FE"/>
-                </a:solidFill>
-                <a:latin typeface="+mj-lt"/>
-                <a:ea typeface="+mn-ea"/>
-                <a:cs typeface="+mn-cs"/>
-              </a:rPr>
-              <a:t>th</a:t>
-            </a:r>
-            <a:r>
-              <a:rPr lang="en-CA" sz="1800" kern="1200" dirty="0">
-                <a:solidFill>
-                  <a:srgbClr val="7EC6FE"/>
-                </a:solidFill>
-                <a:latin typeface="+mj-lt"/>
-                <a:ea typeface="+mn-ea"/>
-                <a:cs typeface="+mn-cs"/>
-              </a:rPr>
-              <a:t> 2021 – February 20</a:t>
-            </a:r>
-            <a:r>
-              <a:rPr lang="en-CA" sz="1800" kern="1200" baseline="30000" dirty="0">
-                <a:solidFill>
-                  <a:srgbClr val="7EC6FE"/>
-                </a:solidFill>
-                <a:latin typeface="+mj-lt"/>
-                <a:ea typeface="+mn-ea"/>
-                <a:cs typeface="+mn-cs"/>
-              </a:rPr>
-              <a:t>th</a:t>
-            </a:r>
-            <a:r>
-              <a:rPr lang="en-CA" sz="1800" kern="1200" dirty="0">
-                <a:solidFill>
-                  <a:srgbClr val="7EC6FE"/>
-                </a:solidFill>
-                <a:latin typeface="+mj-lt"/>
-                <a:ea typeface="+mn-ea"/>
-                <a:cs typeface="+mn-cs"/>
-              </a:rPr>
-              <a:t> 2021</a:t>
-            </a:r>
-          </a:p>
-          <a:p>
-            <a:endParaRPr lang="en-CA" dirty="0"/>
-          </a:p>
-          <a:p>
-            <a:pPr algn="ctr"/>
-            <a:r>
-              <a:rPr lang="en-CA" sz="2400" kern="1200" dirty="0">
-                <a:solidFill>
-                  <a:srgbClr val="F8DE6E"/>
-                </a:solidFill>
-                <a:latin typeface="+mj-lt"/>
-                <a:ea typeface="+mn-ea"/>
-                <a:cs typeface="+mn-cs"/>
-                <a:hlinkClick r:id="rId2">
-                  <a:extLst>
-                    <a:ext uri="{A12FA001-AC4F-418D-AE19-62706E023703}">
-                      <ahyp:hlinkClr xmlns:ahyp="http://schemas.microsoft.com/office/drawing/2018/hyperlinkcolor" val="tx"/>
-                    </a:ext>
-                  </a:extLst>
-                </a:hlinkClick>
-              </a:rPr>
-              <a:t>www.PowerPlatformBootcamp.com</a:t>
-            </a:r>
-            <a:endParaRPr lang="en-CA" sz="2400" kern="1200" dirty="0">
-              <a:solidFill>
-                <a:srgbClr val="F8DE6E"/>
-              </a:solidFill>
-              <a:latin typeface="+mj-lt"/>
-              <a:ea typeface="+mn-ea"/>
-              <a:cs typeface="+mn-cs"/>
-            </a:endParaRPr>
-          </a:p>
-          <a:p>
-            <a:r>
-              <a:rPr lang="en-CA" dirty="0">
-                <a:solidFill>
-                  <a:schemeClr val="bg1"/>
-                </a:solidFill>
-              </a:rPr>
-              <a:t>         </a:t>
-            </a:r>
-          </a:p>
-          <a:p>
-            <a:pPr algn="r"/>
-            <a:r>
-              <a:rPr lang="en-CA" dirty="0">
-                <a:solidFill>
-                  <a:schemeClr val="bg1"/>
-                </a:solidFill>
-              </a:rPr>
-              <a:t> </a:t>
-            </a:r>
-          </a:p>
-          <a:p>
-            <a:pPr algn="r"/>
-            <a:r>
-              <a:rPr lang="en-CA" dirty="0">
-                <a:solidFill>
-                  <a:schemeClr val="bg1"/>
-                </a:solidFill>
-              </a:rPr>
-              <a:t>@</a:t>
-            </a:r>
-            <a:r>
-              <a:rPr lang="en-CA" dirty="0" err="1">
-                <a:solidFill>
-                  <a:schemeClr val="bg1"/>
-                </a:solidFill>
-              </a:rPr>
-              <a:t>GPPBootcamp</a:t>
-            </a:r>
-            <a:endParaRPr lang="en-CA" dirty="0">
-              <a:solidFill>
-                <a:schemeClr val="bg1"/>
-              </a:solidFill>
-            </a:endParaRPr>
-          </a:p>
-          <a:p>
-            <a:endParaRPr lang="en-CA" dirty="0"/>
-          </a:p>
-        </p:txBody>
-      </p:sp>
       <p:pic>
         <p:nvPicPr>
-          <p:cNvPr id="22" name="Picture 21" descr="A picture containing text, clipart&#10;&#10;Description generated with very high confidence">
-            <a:extLst>
-              <a:ext uri="{FF2B5EF4-FFF2-40B4-BE49-F238E27FC236}">
-                <a16:creationId xmlns:a16="http://schemas.microsoft.com/office/drawing/2014/main" id="{B0378663-22D8-4D32-A407-0670B3A1D350}"/>
+          <p:cNvPr id="7" name="Graphic 6">
+            <a:extLst>
+              <a:ext uri="{FF2B5EF4-FFF2-40B4-BE49-F238E27FC236}">
+                <a16:creationId xmlns:a16="http://schemas.microsoft.com/office/drawing/2014/main" id="{BA3C85F9-16CE-433F-88B2-F96C32A153F1}"/>
               </a:ext>
             </a:extLst>
           </p:cNvPr>
@@ -1045,49 +726,13 @@
           <p:nvPr userDrawn="1"/>
         </p:nvPicPr>
         <p:blipFill>
-          <a:blip r:embed="rId3" cstate="print">
+          <a:blip r:embed="rId2">
             <a:extLst>
               <a:ext uri="{28A0092B-C50C-407E-A947-70E740481C1C}">
                 <a14:useLocalDpi xmlns:a14="http://schemas.microsoft.com/office/drawing/2010/main" val="0"/>
               </a:ext>
-            </a:extLst>
-          </a:blip>
-          <a:stretch>
-            <a:fillRect/>
-          </a:stretch>
-        </p:blipFill>
-        <p:spPr>
-          <a:xfrm>
-            <a:off x="9434258" y="6171798"/>
-            <a:ext cx="447698" cy="447698"/>
-          </a:xfrm>
-          <a:prstGeom prst="rect">
-            <a:avLst/>
-          </a:prstGeom>
-        </p:spPr>
-      </p:pic>
-      <p:pic>
-        <p:nvPicPr>
-          <p:cNvPr id="7" name="Graphic 6">
-            <a:extLst>
-              <a:ext uri="{FF2B5EF4-FFF2-40B4-BE49-F238E27FC236}">
-                <a16:creationId xmlns:a16="http://schemas.microsoft.com/office/drawing/2014/main" id="{BA3C85F9-16CE-433F-88B2-F96C32A153F1}"/>
-              </a:ext>
-            </a:extLst>
-          </p:cNvPr>
-          <p:cNvPicPr>
-            <a:picLocks noChangeAspect="1"/>
-          </p:cNvPicPr>
-          <p:nvPr userDrawn="1"/>
-        </p:nvPicPr>
-        <p:blipFill>
-          <a:blip r:embed="rId4">
-            <a:extLst>
-              <a:ext uri="{28A0092B-C50C-407E-A947-70E740481C1C}">
-                <a14:useLocalDpi xmlns:a14="http://schemas.microsoft.com/office/drawing/2010/main" val="0"/>
-              </a:ext>
               <a:ext uri="{96DAC541-7B7A-43D3-8B79-37D633B846F1}">
-                <asvg:svgBlip xmlns:asvg="http://schemas.microsoft.com/office/drawing/2016/SVG/main" r:embed="rId5"/>
+                <asvg:svgBlip xmlns:asvg="http://schemas.microsoft.com/office/drawing/2016/SVG/main" r:embed="rId3"/>
               </a:ext>
             </a:extLst>
           </a:blip>
@@ -1120,13 +765,13 @@
           <p:nvPr userDrawn="1"/>
         </p:nvPicPr>
         <p:blipFill>
-          <a:blip r:embed="rId6">
+          <a:blip r:embed="rId4">
             <a:extLst>
               <a:ext uri="{28A0092B-C50C-407E-A947-70E740481C1C}">
                 <a14:useLocalDpi xmlns:a14="http://schemas.microsoft.com/office/drawing/2010/main" val="0"/>
               </a:ext>
               <a:ext uri="{96DAC541-7B7A-43D3-8B79-37D633B846F1}">
-                <asvg:svgBlip xmlns:asvg="http://schemas.microsoft.com/office/drawing/2016/SVG/main" r:embed="rId7"/>
+                <asvg:svgBlip xmlns:asvg="http://schemas.microsoft.com/office/drawing/2016/SVG/main" r:embed="rId5"/>
               </a:ext>
             </a:extLst>
           </a:blip>
@@ -1159,13 +804,13 @@
           <p:nvPr userDrawn="1"/>
         </p:nvPicPr>
         <p:blipFill>
-          <a:blip r:embed="rId8">
+          <a:blip r:embed="rId6">
             <a:extLst>
               <a:ext uri="{28A0092B-C50C-407E-A947-70E740481C1C}">
                 <a14:useLocalDpi xmlns:a14="http://schemas.microsoft.com/office/drawing/2010/main" val="0"/>
               </a:ext>
               <a:ext uri="{96DAC541-7B7A-43D3-8B79-37D633B846F1}">
-                <asvg:svgBlip xmlns:asvg="http://schemas.microsoft.com/office/drawing/2016/SVG/main" r:embed="rId9"/>
+                <asvg:svgBlip xmlns:asvg="http://schemas.microsoft.com/office/drawing/2016/SVG/main" r:embed="rId7"/>
               </a:ext>
             </a:extLst>
           </a:blip>
@@ -1198,13 +843,13 @@
           <p:nvPr userDrawn="1"/>
         </p:nvPicPr>
         <p:blipFill>
-          <a:blip r:embed="rId10">
+          <a:blip r:embed="rId8">
             <a:extLst>
               <a:ext uri="{28A0092B-C50C-407E-A947-70E740481C1C}">
                 <a14:useLocalDpi xmlns:a14="http://schemas.microsoft.com/office/drawing/2010/main" val="0"/>
               </a:ext>
               <a:ext uri="{96DAC541-7B7A-43D3-8B79-37D633B846F1}">
-                <asvg:svgBlip xmlns:asvg="http://schemas.microsoft.com/office/drawing/2016/SVG/main" r:embed="rId11"/>
+                <asvg:svgBlip xmlns:asvg="http://schemas.microsoft.com/office/drawing/2016/SVG/main" r:embed="rId9"/>
               </a:ext>
             </a:extLst>
           </a:blip>
@@ -1343,7 +988,7 @@
           <p:nvPr userDrawn="1"/>
         </p:nvPicPr>
         <p:blipFill>
-          <a:blip r:embed="rId12" cstate="print">
+          <a:blip r:embed="rId10" cstate="print">
             <a:extLst>
               <a:ext uri="{28A0092B-C50C-407E-A947-70E740481C1C}">
                 <a14:useLocalDpi xmlns:a14="http://schemas.microsoft.com/office/drawing/2010/main" val="0"/>
@@ -1356,7 +1001,7 @@
         </p:blipFill>
         <p:spPr>
           <a:xfrm>
-            <a:off x="6199907" y="6227476"/>
+            <a:off x="10141254" y="6302199"/>
             <a:ext cx="1684399" cy="361902"/>
           </a:xfrm>
           <a:prstGeom prst="rect">
@@ -1366,34 +1011,246 @@
       </p:pic>
       <p:sp>
         <p:nvSpPr>
-          <p:cNvPr id="15" name="TextBox 14">
-            <a:extLst>
-              <a:ext uri="{FF2B5EF4-FFF2-40B4-BE49-F238E27FC236}">
-                <a16:creationId xmlns:a16="http://schemas.microsoft.com/office/drawing/2014/main" id="{8F249F1F-78DB-4D25-8AE3-F4863D20BC56}"/>
-              </a:ext>
-            </a:extLst>
-          </p:cNvPr>
-          <p:cNvSpPr txBox="1"/>
-          <p:nvPr userDrawn="1"/>
+          <p:cNvPr id="5" name="Text Placeholder 4">
+            <a:extLst>
+              <a:ext uri="{FF2B5EF4-FFF2-40B4-BE49-F238E27FC236}">
+                <a16:creationId xmlns:a16="http://schemas.microsoft.com/office/drawing/2014/main" id="{C8F25E93-1C78-485C-A015-7D9B7A300E4F}"/>
+              </a:ext>
+            </a:extLst>
+          </p:cNvPr>
+          <p:cNvSpPr>
+            <a:spLocks noGrp="1"/>
+          </p:cNvSpPr>
+          <p:nvPr>
+            <p:ph type="body" sz="quarter" idx="17"/>
+          </p:nvPr>
         </p:nvSpPr>
         <p:spPr>
           <a:xfrm>
-            <a:off x="2172172" y="458907"/>
-            <a:ext cx="9899666" cy="523220"/>
+            <a:off x="5029199" y="4546952"/>
+            <a:ext cx="6796088" cy="1271588"/>
           </a:xfrm>
           <a:prstGeom prst="rect">
             <a:avLst/>
           </a:prstGeom>
-          <a:noFill/>
+          <a:ln>
+            <a:noFill/>
+          </a:ln>
         </p:spPr>
         <p:txBody>
-          <a:bodyPr wrap="square" rtlCol="0">
-            <a:spAutoFit/>
-          </a:bodyPr>
-          <a:lstStyle/>
-          <a:p>
+          <a:bodyPr/>
+          <a:lstStyle>
+            <a:lvl1pPr marL="0" indent="0">
+              <a:buNone/>
+              <a:defRPr lang="en-CA" sz="2400" kern="1200" smtClean="0">
+                <a:solidFill>
+                  <a:srgbClr val="F8DE6E"/>
+                </a:solidFill>
+                <a:hlinkClick r:id="rId11">
+                  <a:extLst>
+                    <a:ext uri="{A12FA001-AC4F-418D-AE19-62706E023703}">
+                      <ahyp:hlinkClr xmlns:ahyp="http://schemas.microsoft.com/office/drawing/2018/hyperlinkcolor" val="tx"/>
+                    </a:ext>
+                  </a:extLst>
+                </a:hlinkClick>
+              </a:defRPr>
+            </a:lvl1pPr>
+          </a:lstStyle>
+          <a:p>
+            <a:pPr algn="ctr"/>
+            <a:endParaRPr lang="en-CA" sz="2800" kern="1200" dirty="0">
+              <a:solidFill>
+                <a:srgbClr val="7EC6FE"/>
+              </a:solidFill>
+              <a:latin typeface="+mj-lt"/>
+              <a:ea typeface="+mn-ea"/>
+              <a:cs typeface="+mn-cs"/>
+            </a:endParaRPr>
+          </a:p>
+          <a:p>
+            <a:pPr algn="ctr"/>
             <a:r>
-              <a:rPr lang="en-CA" sz="2800" dirty="0">
+              <a:rPr lang="en-CA" sz="2800" kern="1200" dirty="0">
+                <a:solidFill>
+                  <a:srgbClr val="7EC6FE"/>
+                </a:solidFill>
+                <a:latin typeface="+mj-lt"/>
+                <a:ea typeface="+mn-ea"/>
+                <a:cs typeface="+mn-cs"/>
+              </a:rPr>
+              <a:t>February 19</a:t>
+            </a:r>
+            <a:r>
+              <a:rPr lang="en-CA" sz="2800" kern="1200" baseline="30000" dirty="0">
+                <a:solidFill>
+                  <a:srgbClr val="7EC6FE"/>
+                </a:solidFill>
+                <a:latin typeface="+mj-lt"/>
+                <a:ea typeface="+mn-ea"/>
+                <a:cs typeface="+mn-cs"/>
+              </a:rPr>
+              <a:t>th</a:t>
+            </a:r>
+            <a:r>
+              <a:rPr lang="en-CA" sz="2800" kern="1200" dirty="0">
+                <a:solidFill>
+                  <a:srgbClr val="7EC6FE"/>
+                </a:solidFill>
+                <a:latin typeface="+mj-lt"/>
+                <a:ea typeface="+mn-ea"/>
+                <a:cs typeface="+mn-cs"/>
+              </a:rPr>
+              <a:t> 2021 – February 20</a:t>
+            </a:r>
+            <a:r>
+              <a:rPr lang="en-CA" sz="2800" kern="1200" baseline="30000" dirty="0">
+                <a:solidFill>
+                  <a:srgbClr val="7EC6FE"/>
+                </a:solidFill>
+                <a:latin typeface="+mj-lt"/>
+                <a:ea typeface="+mn-ea"/>
+                <a:cs typeface="+mn-cs"/>
+              </a:rPr>
+              <a:t>th</a:t>
+            </a:r>
+            <a:r>
+              <a:rPr lang="en-CA" sz="2800" kern="1200" dirty="0">
+                <a:solidFill>
+                  <a:srgbClr val="7EC6FE"/>
+                </a:solidFill>
+                <a:latin typeface="+mj-lt"/>
+                <a:ea typeface="+mn-ea"/>
+                <a:cs typeface="+mn-cs"/>
+              </a:rPr>
+              <a:t> 2021</a:t>
+            </a:r>
+            <a:endParaRPr lang="en-CA" dirty="0"/>
+          </a:p>
+          <a:p>
+            <a:pPr algn="ctr"/>
+            <a:r>
+              <a:rPr lang="en-CA" sz="3600" kern="1200" dirty="0">
+                <a:solidFill>
+                  <a:srgbClr val="F8DE6E"/>
+                </a:solidFill>
+                <a:latin typeface="+mj-lt"/>
+                <a:ea typeface="+mn-ea"/>
+                <a:cs typeface="+mn-cs"/>
+                <a:hlinkClick r:id="rId11">
+                  <a:extLst>
+                    <a:ext uri="{A12FA001-AC4F-418D-AE19-62706E023703}">
+                      <ahyp:hlinkClr xmlns:ahyp="http://schemas.microsoft.com/office/drawing/2018/hyperlinkcolor" val="tx"/>
+                    </a:ext>
+                  </a:extLst>
+                </a:hlinkClick>
+              </a:rPr>
+              <a:t>www.PowerPlatformBootcamp.com</a:t>
+            </a:r>
+            <a:endParaRPr lang="en-CA" sz="3600" kern="1200" dirty="0">
+              <a:solidFill>
+                <a:srgbClr val="F8DE6E"/>
+              </a:solidFill>
+              <a:latin typeface="+mj-lt"/>
+              <a:ea typeface="+mn-ea"/>
+              <a:cs typeface="+mn-cs"/>
+            </a:endParaRPr>
+          </a:p>
+          <a:p>
+            <a:r>
+              <a:rPr lang="en-CA" dirty="0">
+                <a:solidFill>
+                  <a:schemeClr val="bg1"/>
+                </a:solidFill>
+              </a:rPr>
+              <a:t>         </a:t>
+            </a:r>
+          </a:p>
+          <a:p>
+            <a:pPr algn="r"/>
+            <a:r>
+              <a:rPr lang="en-CA" dirty="0">
+                <a:solidFill>
+                  <a:schemeClr val="bg1"/>
+                </a:solidFill>
+              </a:rPr>
+              <a:t> </a:t>
+            </a:r>
+          </a:p>
+          <a:p>
+            <a:endParaRPr lang="en-CA" dirty="0"/>
+          </a:p>
+          <a:p>
+            <a:pPr lvl="0"/>
+            <a:endParaRPr lang="en-CA" dirty="0"/>
+          </a:p>
+        </p:txBody>
+      </p:sp>
+      <p:sp>
+        <p:nvSpPr>
+          <p:cNvPr id="18" name="Title 17">
+            <a:extLst>
+              <a:ext uri="{FF2B5EF4-FFF2-40B4-BE49-F238E27FC236}">
+                <a16:creationId xmlns:a16="http://schemas.microsoft.com/office/drawing/2014/main" id="{63E9C74F-30CB-4632-A530-DF36B2BC94FC}"/>
+              </a:ext>
+            </a:extLst>
+          </p:cNvPr>
+          <p:cNvSpPr>
+            <a:spLocks noGrp="1"/>
+          </p:cNvSpPr>
+          <p:nvPr>
+            <p:ph type="title" hasCustomPrompt="1"/>
+          </p:nvPr>
+        </p:nvSpPr>
+        <p:spPr>
+          <a:xfrm>
+            <a:off x="1961540" y="80290"/>
+            <a:ext cx="10070626" cy="1325563"/>
+          </a:xfrm>
+          <a:prstGeom prst="rect">
+            <a:avLst/>
+          </a:prstGeom>
+        </p:spPr>
+        <p:txBody>
+          <a:bodyPr/>
+          <a:lstStyle>
+            <a:lvl1pPr marL="0" marR="0" indent="0" algn="l" defTabSz="914400" rtl="0" eaLnBrk="1" fontAlgn="auto" latinLnBrk="0" hangingPunct="1">
+              <a:lnSpc>
+                <a:spcPct val="90000"/>
+              </a:lnSpc>
+              <a:spcBef>
+                <a:spcPct val="0"/>
+              </a:spcBef>
+              <a:spcAft>
+                <a:spcPts val="0"/>
+              </a:spcAft>
+              <a:buClrTx/>
+              <a:buSzTx/>
+              <a:buFontTx/>
+              <a:buNone/>
+              <a:tabLst/>
+              <a:defRPr/>
+            </a:lvl1pPr>
+          </a:lstStyle>
+          <a:p>
+            <a:pPr marL="0" marR="0" lvl="0" indent="0" algn="l" defTabSz="914400" rtl="0" eaLnBrk="1" fontAlgn="auto" latinLnBrk="0" hangingPunct="1">
+              <a:lnSpc>
+                <a:spcPct val="90000"/>
+              </a:lnSpc>
+              <a:spcBef>
+                <a:spcPct val="0"/>
+              </a:spcBef>
+              <a:spcAft>
+                <a:spcPts val="0"/>
+              </a:spcAft>
+              <a:buClrTx/>
+              <a:buSzTx/>
+              <a:buFontTx/>
+              <a:buNone/>
+              <a:tabLst/>
+              <a:defRPr/>
+            </a:pPr>
+            <a:r>
+              <a:rPr lang="en-CA" sz="4400" dirty="0">
                 <a:solidFill>
                   <a:srgbClr val="49CAED"/>
                 </a:solidFill>
@@ -1401,6 +1258,15 @@
               </a:rPr>
               <a:t>GLOBAL POWER PLATFORM BOOTCAMP - &lt;City/User Group Name&gt;</a:t>
             </a:r>
+            <a:br>
+              <a:rPr lang="en-CA" sz="4400" dirty="0">
+                <a:solidFill>
+                  <a:srgbClr val="49CAED"/>
+                </a:solidFill>
+                <a:latin typeface="+mj-lt"/>
+              </a:rPr>
+            </a:br>
+            <a:endParaRPr lang="en-CA" dirty="0"/>
           </a:p>
         </p:txBody>
       </p:sp>
@@ -1408,6 +1274,275 @@
     <p:extLst>
       <p:ext uri="{BB962C8B-B14F-4D97-AF65-F5344CB8AC3E}">
         <p14:creationId xmlns:p14="http://schemas.microsoft.com/office/powerpoint/2010/main" val="4179155296"/>
+      </p:ext>
+    </p:extLst>
+  </p:cSld>
+  <p:clrMapOvr>
+    <a:masterClrMapping/>
+  </p:clrMapOvr>
+</p:sldLayout>
+</file>
+
+<file path=ppt/slideLayouts/slideLayout3.xml><?xml version="1.0" encoding="utf-8"?>
+<p:sldLayout xmlns:a="http://schemas.openxmlformats.org/drawingml/2006/main" xmlns:r="http://schemas.openxmlformats.org/officeDocument/2006/relationships" xmlns:p="http://schemas.openxmlformats.org/presentationml/2006/main" preserve="1" userDrawn="1">
+  <p:cSld name="Custom Layout">
+    <p:spTree>
+      <p:nvGrpSpPr>
+        <p:cNvPr id="1" name=""/>
+        <p:cNvGrpSpPr/>
+        <p:nvPr/>
+      </p:nvGrpSpPr>
+      <p:grpSpPr>
+        <a:xfrm>
+          <a:off x="0" y="0"/>
+          <a:ext cx="0" cy="0"/>
+          <a:chOff x="0" y="0"/>
+          <a:chExt cx="0" cy="0"/>
+        </a:xfrm>
+      </p:grpSpPr>
+      <p:sp>
+        <p:nvSpPr>
+          <p:cNvPr id="2" name="Title 1">
+            <a:extLst>
+              <a:ext uri="{FF2B5EF4-FFF2-40B4-BE49-F238E27FC236}">
+                <a16:creationId xmlns:a16="http://schemas.microsoft.com/office/drawing/2014/main" id="{A7A7B9E9-0394-4052-8DE5-7655C2AB5B47}"/>
+              </a:ext>
+            </a:extLst>
+          </p:cNvPr>
+          <p:cNvSpPr>
+            <a:spLocks noGrp="1"/>
+          </p:cNvSpPr>
+          <p:nvPr>
+            <p:ph type="title"/>
+          </p:nvPr>
+        </p:nvSpPr>
+        <p:spPr>
+          <a:xfrm>
+            <a:off x="1964473" y="231310"/>
+            <a:ext cx="9844668" cy="1325563"/>
+          </a:xfrm>
+          <a:prstGeom prst="rect">
+            <a:avLst/>
+          </a:prstGeom>
+        </p:spPr>
+        <p:txBody>
+          <a:bodyPr/>
+          <a:lstStyle/>
+          <a:p>
+            <a:r>
+              <a:rPr lang="en-US"/>
+              <a:t>Click to edit Master title style</a:t>
+            </a:r>
+            <a:endParaRPr lang="en-CA"/>
+          </a:p>
+        </p:txBody>
+      </p:sp>
+      <p:sp>
+        <p:nvSpPr>
+          <p:cNvPr id="3" name="Picture Placeholder 7">
+            <a:extLst>
+              <a:ext uri="{FF2B5EF4-FFF2-40B4-BE49-F238E27FC236}">
+                <a16:creationId xmlns:a16="http://schemas.microsoft.com/office/drawing/2014/main" id="{4BD93297-5E04-4CF0-A1EA-1A28FE3A6B30}"/>
+              </a:ext>
+            </a:extLst>
+          </p:cNvPr>
+          <p:cNvSpPr>
+            <a:spLocks noGrp="1"/>
+          </p:cNvSpPr>
+          <p:nvPr>
+            <p:ph type="pic" sz="quarter" idx="13" hasCustomPrompt="1"/>
+          </p:nvPr>
+        </p:nvSpPr>
+        <p:spPr>
+          <a:xfrm>
+            <a:off x="1378216" y="1734592"/>
+            <a:ext cx="3384184" cy="3176234"/>
+          </a:xfrm>
+          <a:prstGeom prst="ellipse">
+            <a:avLst/>
+          </a:prstGeom>
+        </p:spPr>
+        <p:txBody>
+          <a:bodyPr/>
+          <a:lstStyle>
+            <a:lvl1pPr marL="0" indent="0" algn="ctr">
+              <a:buNone/>
+              <a:defRPr sz="1400">
+                <a:solidFill>
+                  <a:schemeClr val="bg1"/>
+                </a:solidFill>
+                <a:latin typeface="+mj-lt"/>
+              </a:defRPr>
+            </a:lvl1pPr>
+          </a:lstStyle>
+          <a:p>
+            <a:r>
+              <a:rPr lang="en-CA" dirty="0"/>
+              <a:t>&lt;Speaker Headshot&gt;</a:t>
+            </a:r>
+          </a:p>
+        </p:txBody>
+      </p:sp>
+      <p:pic>
+        <p:nvPicPr>
+          <p:cNvPr id="4" name="Graphic 3">
+            <a:extLst>
+              <a:ext uri="{FF2B5EF4-FFF2-40B4-BE49-F238E27FC236}">
+                <a16:creationId xmlns:a16="http://schemas.microsoft.com/office/drawing/2014/main" id="{E0CAC04C-F228-4E95-87B5-8D79945D270A}"/>
+              </a:ext>
+            </a:extLst>
+          </p:cNvPr>
+          <p:cNvPicPr>
+            <a:picLocks noChangeAspect="1"/>
+          </p:cNvPicPr>
+          <p:nvPr userDrawn="1"/>
+        </p:nvPicPr>
+        <p:blipFill>
+          <a:blip r:embed="rId2">
+            <a:extLst>
+              <a:ext uri="{28A0092B-C50C-407E-A947-70E740481C1C}">
+                <a14:useLocalDpi xmlns:a14="http://schemas.microsoft.com/office/drawing/2010/main" val="0"/>
+              </a:ext>
+              <a:ext uri="{96DAC541-7B7A-43D3-8B79-37D633B846F1}">
+                <asvg:svgBlip xmlns:asvg="http://schemas.microsoft.com/office/drawing/2016/SVG/main" r:embed="rId3"/>
+              </a:ext>
+            </a:extLst>
+          </a:blip>
+          <a:stretch>
+            <a:fillRect/>
+          </a:stretch>
+        </p:blipFill>
+        <p:spPr>
+          <a:xfrm>
+            <a:off x="360693" y="5117612"/>
+            <a:ext cx="914400" cy="914400"/>
+          </a:xfrm>
+          <a:prstGeom prst="rect">
+            <a:avLst/>
+          </a:prstGeom>
+        </p:spPr>
+      </p:pic>
+      <p:pic>
+        <p:nvPicPr>
+          <p:cNvPr id="5" name="Graphic 4">
+            <a:extLst>
+              <a:ext uri="{FF2B5EF4-FFF2-40B4-BE49-F238E27FC236}">
+                <a16:creationId xmlns:a16="http://schemas.microsoft.com/office/drawing/2014/main" id="{FBB17C86-5293-4855-BD58-B3F37BED094D}"/>
+              </a:ext>
+            </a:extLst>
+          </p:cNvPr>
+          <p:cNvPicPr>
+            <a:picLocks noChangeAspect="1"/>
+          </p:cNvPicPr>
+          <p:nvPr userDrawn="1"/>
+        </p:nvPicPr>
+        <p:blipFill>
+          <a:blip r:embed="rId4">
+            <a:extLst>
+              <a:ext uri="{28A0092B-C50C-407E-A947-70E740481C1C}">
+                <a14:useLocalDpi xmlns:a14="http://schemas.microsoft.com/office/drawing/2010/main" val="0"/>
+              </a:ext>
+              <a:ext uri="{96DAC541-7B7A-43D3-8B79-37D633B846F1}">
+                <asvg:svgBlip xmlns:asvg="http://schemas.microsoft.com/office/drawing/2016/SVG/main" r:embed="rId5"/>
+              </a:ext>
+            </a:extLst>
+          </a:blip>
+          <a:stretch>
+            <a:fillRect/>
+          </a:stretch>
+        </p:blipFill>
+        <p:spPr>
+          <a:xfrm>
+            <a:off x="1504340" y="5112152"/>
+            <a:ext cx="914400" cy="914400"/>
+          </a:xfrm>
+          <a:prstGeom prst="rect">
+            <a:avLst/>
+          </a:prstGeom>
+        </p:spPr>
+      </p:pic>
+      <p:pic>
+        <p:nvPicPr>
+          <p:cNvPr id="6" name="Graphic 5">
+            <a:extLst>
+              <a:ext uri="{FF2B5EF4-FFF2-40B4-BE49-F238E27FC236}">
+                <a16:creationId xmlns:a16="http://schemas.microsoft.com/office/drawing/2014/main" id="{F873CDAE-95C4-423D-B178-77824404AE70}"/>
+              </a:ext>
+            </a:extLst>
+          </p:cNvPr>
+          <p:cNvPicPr>
+            <a:picLocks noChangeAspect="1"/>
+          </p:cNvPicPr>
+          <p:nvPr userDrawn="1"/>
+        </p:nvPicPr>
+        <p:blipFill>
+          <a:blip r:embed="rId6">
+            <a:extLst>
+              <a:ext uri="{28A0092B-C50C-407E-A947-70E740481C1C}">
+                <a14:useLocalDpi xmlns:a14="http://schemas.microsoft.com/office/drawing/2010/main" val="0"/>
+              </a:ext>
+              <a:ext uri="{96DAC541-7B7A-43D3-8B79-37D633B846F1}">
+                <asvg:svgBlip xmlns:asvg="http://schemas.microsoft.com/office/drawing/2016/SVG/main" r:embed="rId7"/>
+              </a:ext>
+            </a:extLst>
+          </a:blip>
+          <a:stretch>
+            <a:fillRect/>
+          </a:stretch>
+        </p:blipFill>
+        <p:spPr>
+          <a:xfrm>
+            <a:off x="2809570" y="5117612"/>
+            <a:ext cx="914400" cy="914400"/>
+          </a:xfrm>
+          <a:prstGeom prst="rect">
+            <a:avLst/>
+          </a:prstGeom>
+        </p:spPr>
+      </p:pic>
+      <p:pic>
+        <p:nvPicPr>
+          <p:cNvPr id="7" name="Graphic 6">
+            <a:extLst>
+              <a:ext uri="{FF2B5EF4-FFF2-40B4-BE49-F238E27FC236}">
+                <a16:creationId xmlns:a16="http://schemas.microsoft.com/office/drawing/2014/main" id="{86FD848A-406D-496E-BED5-00156F1FBAB4}"/>
+              </a:ext>
+            </a:extLst>
+          </p:cNvPr>
+          <p:cNvPicPr>
+            <a:picLocks noChangeAspect="1"/>
+          </p:cNvPicPr>
+          <p:nvPr userDrawn="1"/>
+        </p:nvPicPr>
+        <p:blipFill>
+          <a:blip r:embed="rId8">
+            <a:extLst>
+              <a:ext uri="{28A0092B-C50C-407E-A947-70E740481C1C}">
+                <a14:useLocalDpi xmlns:a14="http://schemas.microsoft.com/office/drawing/2010/main" val="0"/>
+              </a:ext>
+              <a:ext uri="{96DAC541-7B7A-43D3-8B79-37D633B846F1}">
+                <asvg:svgBlip xmlns:asvg="http://schemas.microsoft.com/office/drawing/2016/SVG/main" r:embed="rId9"/>
+              </a:ext>
+            </a:extLst>
+          </a:blip>
+          <a:stretch>
+            <a:fillRect/>
+          </a:stretch>
+        </p:blipFill>
+        <p:spPr>
+          <a:xfrm>
+            <a:off x="4079375" y="5143506"/>
+            <a:ext cx="914400" cy="914400"/>
+          </a:xfrm>
+          <a:prstGeom prst="rect">
+            <a:avLst/>
+          </a:prstGeom>
+        </p:spPr>
+      </p:pic>
+    </p:spTree>
+    <p:extLst>
+      <p:ext uri="{BB962C8B-B14F-4D97-AF65-F5344CB8AC3E}">
+        <p14:creationId xmlns:p14="http://schemas.microsoft.com/office/powerpoint/2010/main" val="446316123"/>
       </p:ext>
     </p:extLst>
   </p:cSld>
@@ -1423,7 +1558,7 @@
     <p:bg>
       <p:bgPr>
         <a:blipFill dpi="0" rotWithShape="1">
-          <a:blip r:embed="rId4">
+          <a:blip r:embed="rId5">
             <a:lum/>
           </a:blip>
           <a:srcRect/>
@@ -1463,7 +1598,7 @@
           <p:nvPr userDrawn="1"/>
         </p:nvPicPr>
         <p:blipFill>
-          <a:blip r:embed="rId5" cstate="print">
+          <a:blip r:embed="rId6" cstate="print">
             <a:extLst>
               <a:ext uri="{28A0092B-C50C-407E-A947-70E740481C1C}">
                 <a14:useLocalDpi xmlns:a14="http://schemas.microsoft.com/office/drawing/2010/main" val="0"/>
@@ -1537,6 +1672,7 @@
   <p:sldLayoutIdLst>
     <p:sldLayoutId id="2147483650" r:id="rId1"/>
     <p:sldLayoutId id="2147483652" r:id="rId2"/>
+    <p:sldLayoutId id="2147483653" r:id="rId3"/>
   </p:sldLayoutIdLst>
   <p:txStyles>
     <p:titleStyle>
@@ -1843,7 +1979,7 @@
           <p:cNvPr id="2" name="Picture Placeholder 1">
             <a:extLst>
               <a:ext uri="{FF2B5EF4-FFF2-40B4-BE49-F238E27FC236}">
-                <a16:creationId xmlns:a16="http://schemas.microsoft.com/office/drawing/2014/main" id="{E875D164-9BE4-4345-836E-56A991502557}"/>
+                <a16:creationId xmlns:a16="http://schemas.microsoft.com/office/drawing/2014/main" id="{D7AE1CFB-697A-44B0-BBEA-5C0B414CFE58}"/>
               </a:ext>
             </a:extLst>
           </p:cNvPr>
@@ -1861,7 +1997,7 @@
           <p:cNvPr id="3" name="Text Placeholder 2">
             <a:extLst>
               <a:ext uri="{FF2B5EF4-FFF2-40B4-BE49-F238E27FC236}">
-                <a16:creationId xmlns:a16="http://schemas.microsoft.com/office/drawing/2014/main" id="{72D77990-DF39-4A0C-A8A8-ABA77C9145C7}"/>
+                <a16:creationId xmlns:a16="http://schemas.microsoft.com/office/drawing/2014/main" id="{665F9474-FA3E-4982-8E91-9C0C1106743D}"/>
               </a:ext>
             </a:extLst>
           </p:cNvPr>
@@ -1886,7 +2022,7 @@
           <p:cNvPr id="4" name="Text Placeholder 3">
             <a:extLst>
               <a:ext uri="{FF2B5EF4-FFF2-40B4-BE49-F238E27FC236}">
-                <a16:creationId xmlns:a16="http://schemas.microsoft.com/office/drawing/2014/main" id="{35C01D62-EAC5-4380-BE91-53DF1BE7D401}"/>
+                <a16:creationId xmlns:a16="http://schemas.microsoft.com/office/drawing/2014/main" id="{665824C3-55D2-405B-869F-A12BE2AAB014}"/>
               </a:ext>
             </a:extLst>
           </p:cNvPr>
@@ -1895,6 +2031,36 @@
           </p:cNvSpPr>
           <p:nvPr>
             <p:ph type="body" sz="quarter" idx="15"/>
+          </p:nvPr>
+        </p:nvSpPr>
+        <p:spPr>
+          <a:xfrm>
+            <a:off x="5029200" y="3011575"/>
+            <a:ext cx="6796454" cy="1535566"/>
+          </a:xfrm>
+        </p:spPr>
+        <p:txBody>
+          <a:bodyPr/>
+          <a:lstStyle/>
+          <a:p>
+            <a:endParaRPr lang="en-CA" dirty="0"/>
+          </a:p>
+        </p:txBody>
+      </p:sp>
+      <p:sp>
+        <p:nvSpPr>
+          <p:cNvPr id="5" name="Title 4">
+            <a:extLst>
+              <a:ext uri="{FF2B5EF4-FFF2-40B4-BE49-F238E27FC236}">
+                <a16:creationId xmlns:a16="http://schemas.microsoft.com/office/drawing/2014/main" id="{FA2FC6D6-E422-4B2F-A3CF-063B5F08E088}"/>
+              </a:ext>
+            </a:extLst>
+          </p:cNvPr>
+          <p:cNvSpPr>
+            <a:spLocks noGrp="1"/>
+          </p:cNvSpPr>
+          <p:nvPr>
+            <p:ph type="title"/>
           </p:nvPr>
         </p:nvSpPr>
         <p:spPr/>
@@ -1902,14 +2068,14 @@
           <a:bodyPr/>
           <a:lstStyle/>
           <a:p>
-            <a:endParaRPr lang="en-CA"/>
+            <a:endParaRPr lang="en-CA" dirty="0"/>
           </a:p>
         </p:txBody>
       </p:sp>
     </p:spTree>
     <p:extLst>
       <p:ext uri="{BB962C8B-B14F-4D97-AF65-F5344CB8AC3E}">
-        <p14:creationId xmlns:p14="http://schemas.microsoft.com/office/powerpoint/2010/main" val="3663194134"/>
+        <p14:creationId xmlns:p14="http://schemas.microsoft.com/office/powerpoint/2010/main" val="4223736101"/>
       </p:ext>
     </p:extLst>
   </p:cSld>
@@ -1941,7 +2107,7 @@
           <p:cNvPr id="2" name="Text Placeholder 1">
             <a:extLst>
               <a:ext uri="{FF2B5EF4-FFF2-40B4-BE49-F238E27FC236}">
-                <a16:creationId xmlns:a16="http://schemas.microsoft.com/office/drawing/2014/main" id="{829FB16B-80AF-47E6-845A-C16A84B20400}"/>
+                <a16:creationId xmlns:a16="http://schemas.microsoft.com/office/drawing/2014/main" id="{97907B91-5626-4C27-B525-7676E349E147}"/>
               </a:ext>
             </a:extLst>
           </p:cNvPr>
@@ -1957,7 +2123,7 @@
           <a:bodyPr/>
           <a:lstStyle/>
           <a:p>
-            <a:endParaRPr lang="en-CA"/>
+            <a:endParaRPr lang="en-CA" dirty="0"/>
           </a:p>
         </p:txBody>
       </p:sp>
@@ -1966,7 +2132,7 @@
           <p:cNvPr id="3" name="Text Placeholder 2">
             <a:extLst>
               <a:ext uri="{FF2B5EF4-FFF2-40B4-BE49-F238E27FC236}">
-                <a16:creationId xmlns:a16="http://schemas.microsoft.com/office/drawing/2014/main" id="{5145C1A9-A16D-4762-99E3-0965EC5A6768}"/>
+                <a16:creationId xmlns:a16="http://schemas.microsoft.com/office/drawing/2014/main" id="{CC037736-388B-4720-84F5-E12AA33F51EA}"/>
               </a:ext>
             </a:extLst>
           </p:cNvPr>
@@ -1982,7 +2148,7 @@
           <a:bodyPr/>
           <a:lstStyle/>
           <a:p>
-            <a:endParaRPr lang="en-CA"/>
+            <a:endParaRPr lang="en-CA" dirty="0"/>
           </a:p>
         </p:txBody>
       </p:sp>
@@ -1991,7 +2157,7 @@
           <p:cNvPr id="4" name="Picture Placeholder 3">
             <a:extLst>
               <a:ext uri="{FF2B5EF4-FFF2-40B4-BE49-F238E27FC236}">
-                <a16:creationId xmlns:a16="http://schemas.microsoft.com/office/drawing/2014/main" id="{560F5710-38B2-4D35-977F-7382C526C0EE}"/>
+                <a16:creationId xmlns:a16="http://schemas.microsoft.com/office/drawing/2014/main" id="{020B3820-B777-4231-9E50-221203D9496C}"/>
               </a:ext>
             </a:extLst>
           </p:cNvPr>
@@ -2009,7 +2175,7 @@
           <p:cNvPr id="5" name="Text Placeholder 4">
             <a:extLst>
               <a:ext uri="{FF2B5EF4-FFF2-40B4-BE49-F238E27FC236}">
-                <a16:creationId xmlns:a16="http://schemas.microsoft.com/office/drawing/2014/main" id="{B50D01FB-C88C-4444-91AF-240C704B1347}"/>
+                <a16:creationId xmlns:a16="http://schemas.microsoft.com/office/drawing/2014/main" id="{CF51EA56-E580-47F0-9831-08ADF618316E}"/>
               </a:ext>
             </a:extLst>
           </p:cNvPr>
@@ -2025,14 +2191,493 @@
           <a:bodyPr/>
           <a:lstStyle/>
           <a:p>
-            <a:endParaRPr lang="en-CA"/>
+            <a:endParaRPr lang="en-CA" dirty="0"/>
+          </a:p>
+        </p:txBody>
+      </p:sp>
+      <p:sp>
+        <p:nvSpPr>
+          <p:cNvPr id="6" name="Text Placeholder 5">
+            <a:extLst>
+              <a:ext uri="{FF2B5EF4-FFF2-40B4-BE49-F238E27FC236}">
+                <a16:creationId xmlns:a16="http://schemas.microsoft.com/office/drawing/2014/main" id="{F044DA06-42F7-4F1F-B500-A1D63375FC39}"/>
+              </a:ext>
+            </a:extLst>
+          </p:cNvPr>
+          <p:cNvSpPr>
+            <a:spLocks noGrp="1"/>
+          </p:cNvSpPr>
+          <p:nvPr>
+            <p:ph type="body" sz="quarter" idx="17"/>
+          </p:nvPr>
+        </p:nvSpPr>
+        <p:spPr>
+          <a:xfrm>
+            <a:off x="5029199" y="4546952"/>
+            <a:ext cx="6796088" cy="1271588"/>
+          </a:xfrm>
+        </p:spPr>
+        <p:txBody>
+          <a:bodyPr/>
+          <a:lstStyle/>
+          <a:p>
+            <a:pPr algn="ctr"/>
+            <a:endParaRPr lang="en-CA" dirty="0">
+              <a:solidFill>
+                <a:srgbClr val="7EC6FE"/>
+              </a:solidFill>
+            </a:endParaRPr>
+          </a:p>
+          <a:p>
+            <a:pPr algn="ctr"/>
+            <a:r>
+              <a:rPr lang="en-CA" dirty="0">
+                <a:solidFill>
+                  <a:srgbClr val="7EC6FE"/>
+                </a:solidFill>
+              </a:rPr>
+              <a:t>February 19th 2021 – February 20th 2021</a:t>
+            </a:r>
+            <a:endParaRPr lang="en-CA" dirty="0"/>
+          </a:p>
+          <a:p>
+            <a:pPr algn="ctr"/>
+            <a:r>
+              <a:rPr lang="en-CA" sz="3200" dirty="0">
+                <a:hlinkClick r:id="rId2">
+                  <a:extLst>
+                    <a:ext uri="{A12FA001-AC4F-418D-AE19-62706E023703}">
+                      <ahyp:hlinkClr xmlns:ahyp="http://schemas.microsoft.com/office/drawing/2018/hyperlinkcolor" val="tx"/>
+                    </a:ext>
+                  </a:extLst>
+                </a:hlinkClick>
+              </a:rPr>
+              <a:t>www.PowerPlatformBootcamp.com</a:t>
+            </a:r>
+            <a:endParaRPr lang="en-CA" sz="3200" dirty="0"/>
+          </a:p>
+          <a:p>
+            <a:endParaRPr lang="en-CA" dirty="0"/>
+          </a:p>
+        </p:txBody>
+      </p:sp>
+      <p:sp>
+        <p:nvSpPr>
+          <p:cNvPr id="7" name="Title 6">
+            <a:extLst>
+              <a:ext uri="{FF2B5EF4-FFF2-40B4-BE49-F238E27FC236}">
+                <a16:creationId xmlns:a16="http://schemas.microsoft.com/office/drawing/2014/main" id="{78640F84-B8C7-4794-9C90-0535CA869750}"/>
+              </a:ext>
+            </a:extLst>
+          </p:cNvPr>
+          <p:cNvSpPr>
+            <a:spLocks noGrp="1"/>
+          </p:cNvSpPr>
+          <p:nvPr>
+            <p:ph type="title"/>
+          </p:nvPr>
+        </p:nvSpPr>
+        <p:spPr/>
+        <p:txBody>
+          <a:bodyPr/>
+          <a:lstStyle/>
+          <a:p>
+            <a:endParaRPr lang="en-CA" dirty="0"/>
           </a:p>
         </p:txBody>
       </p:sp>
     </p:spTree>
     <p:extLst>
       <p:ext uri="{BB962C8B-B14F-4D97-AF65-F5344CB8AC3E}">
-        <p14:creationId xmlns:p14="http://schemas.microsoft.com/office/powerpoint/2010/main" val="3166082407"/>
+        <p14:creationId xmlns:p14="http://schemas.microsoft.com/office/powerpoint/2010/main" val="270227916"/>
+      </p:ext>
+    </p:extLst>
+  </p:cSld>
+  <p:clrMapOvr>
+    <a:masterClrMapping/>
+  </p:clrMapOvr>
+</p:sld>
+</file>
+
+<file path=ppt/slides/slide3.xml><?xml version="1.0" encoding="utf-8"?>
+<p:sld xmlns:a="http://schemas.openxmlformats.org/drawingml/2006/main" xmlns:r="http://schemas.openxmlformats.org/officeDocument/2006/relationships" xmlns:p="http://schemas.openxmlformats.org/presentationml/2006/main">
+  <p:cSld>
+    <p:spTree>
+      <p:nvGrpSpPr>
+        <p:cNvPr id="1" name=""/>
+        <p:cNvGrpSpPr/>
+        <p:nvPr/>
+      </p:nvGrpSpPr>
+      <p:grpSpPr>
+        <a:xfrm>
+          <a:off x="0" y="0"/>
+          <a:ext cx="0" cy="0"/>
+          <a:chOff x="0" y="0"/>
+          <a:chExt cx="0" cy="0"/>
+        </a:xfrm>
+      </p:grpSpPr>
+      <p:sp>
+        <p:nvSpPr>
+          <p:cNvPr id="2" name="Text Placeholder 1">
+            <a:extLst>
+              <a:ext uri="{FF2B5EF4-FFF2-40B4-BE49-F238E27FC236}">
+                <a16:creationId xmlns:a16="http://schemas.microsoft.com/office/drawing/2014/main" id="{78295565-5CB7-46E4-A17E-89C7D2444857}"/>
+              </a:ext>
+            </a:extLst>
+          </p:cNvPr>
+          <p:cNvSpPr>
+            <a:spLocks noGrp="1"/>
+          </p:cNvSpPr>
+          <p:nvPr>
+            <p:ph type="body" sz="quarter" idx="14"/>
+          </p:nvPr>
+        </p:nvSpPr>
+        <p:spPr/>
+        <p:txBody>
+          <a:bodyPr/>
+          <a:lstStyle/>
+          <a:p>
+            <a:endParaRPr lang="en-CA"/>
+          </a:p>
+        </p:txBody>
+      </p:sp>
+      <p:sp>
+        <p:nvSpPr>
+          <p:cNvPr id="3" name="Text Placeholder 2">
+            <a:extLst>
+              <a:ext uri="{FF2B5EF4-FFF2-40B4-BE49-F238E27FC236}">
+                <a16:creationId xmlns:a16="http://schemas.microsoft.com/office/drawing/2014/main" id="{9696D0E1-D997-4E7F-A463-A0688E6099A2}"/>
+              </a:ext>
+            </a:extLst>
+          </p:cNvPr>
+          <p:cNvSpPr>
+            <a:spLocks noGrp="1"/>
+          </p:cNvSpPr>
+          <p:nvPr>
+            <p:ph type="body" sz="quarter" idx="15"/>
+          </p:nvPr>
+        </p:nvSpPr>
+        <p:spPr/>
+        <p:txBody>
+          <a:bodyPr/>
+          <a:lstStyle/>
+          <a:p>
+            <a:endParaRPr lang="en-CA"/>
+          </a:p>
+        </p:txBody>
+      </p:sp>
+      <p:sp>
+        <p:nvSpPr>
+          <p:cNvPr id="4" name="Picture Placeholder 3">
+            <a:extLst>
+              <a:ext uri="{FF2B5EF4-FFF2-40B4-BE49-F238E27FC236}">
+                <a16:creationId xmlns:a16="http://schemas.microsoft.com/office/drawing/2014/main" id="{840782B3-6773-4452-9C3F-A75471F8B878}"/>
+              </a:ext>
+            </a:extLst>
+          </p:cNvPr>
+          <p:cNvSpPr>
+            <a:spLocks noGrp="1"/>
+          </p:cNvSpPr>
+          <p:nvPr>
+            <p:ph type="pic" sz="quarter" idx="13"/>
+          </p:nvPr>
+        </p:nvSpPr>
+        <p:spPr/>
+      </p:sp>
+      <p:sp>
+        <p:nvSpPr>
+          <p:cNvPr id="5" name="Text Placeholder 4">
+            <a:extLst>
+              <a:ext uri="{FF2B5EF4-FFF2-40B4-BE49-F238E27FC236}">
+                <a16:creationId xmlns:a16="http://schemas.microsoft.com/office/drawing/2014/main" id="{6BA6945D-60BC-44D3-9C8C-F5CD38BED98F}"/>
+              </a:ext>
+            </a:extLst>
+          </p:cNvPr>
+          <p:cNvSpPr>
+            <a:spLocks noGrp="1"/>
+          </p:cNvSpPr>
+          <p:nvPr>
+            <p:ph type="body" sz="quarter" idx="16"/>
+          </p:nvPr>
+        </p:nvSpPr>
+        <p:spPr/>
+        <p:txBody>
+          <a:bodyPr/>
+          <a:lstStyle/>
+          <a:p>
+            <a:endParaRPr lang="en-CA"/>
+          </a:p>
+        </p:txBody>
+      </p:sp>
+      <p:sp>
+        <p:nvSpPr>
+          <p:cNvPr id="6" name="Text Placeholder 5">
+            <a:extLst>
+              <a:ext uri="{FF2B5EF4-FFF2-40B4-BE49-F238E27FC236}">
+                <a16:creationId xmlns:a16="http://schemas.microsoft.com/office/drawing/2014/main" id="{A0DEBA81-AB9A-4751-BBAE-A0FF5885E9E7}"/>
+              </a:ext>
+            </a:extLst>
+          </p:cNvPr>
+          <p:cNvSpPr>
+            <a:spLocks noGrp="1"/>
+          </p:cNvSpPr>
+          <p:nvPr>
+            <p:ph type="body" sz="quarter" idx="17"/>
+          </p:nvPr>
+        </p:nvSpPr>
+        <p:spPr/>
+        <p:txBody>
+          <a:bodyPr/>
+          <a:lstStyle/>
+          <a:p>
+            <a:pPr algn="ctr"/>
+            <a:endParaRPr lang="en-CA" dirty="0">
+              <a:solidFill>
+                <a:srgbClr val="7EC6FE"/>
+              </a:solidFill>
+            </a:endParaRPr>
+          </a:p>
+          <a:p>
+            <a:pPr algn="ctr"/>
+            <a:r>
+              <a:rPr lang="en-CA" dirty="0">
+                <a:solidFill>
+                  <a:srgbClr val="7EC6FE"/>
+                </a:solidFill>
+                <a:latin typeface="+mj-lt"/>
+              </a:rPr>
+              <a:t>February 19th 2021 – February 20th 2021</a:t>
+            </a:r>
+            <a:endParaRPr lang="en-CA" dirty="0">
+              <a:latin typeface="+mj-lt"/>
+            </a:endParaRPr>
+          </a:p>
+          <a:p>
+            <a:pPr algn="ctr"/>
+            <a:r>
+              <a:rPr lang="en-CA" sz="3200" dirty="0">
+                <a:latin typeface="+mj-lt"/>
+                <a:hlinkClick r:id="rId2">
+                  <a:extLst>
+                    <a:ext uri="{A12FA001-AC4F-418D-AE19-62706E023703}">
+                      <ahyp:hlinkClr xmlns:ahyp="http://schemas.microsoft.com/office/drawing/2018/hyperlinkcolor" val="tx"/>
+                    </a:ext>
+                  </a:extLst>
+                </a:hlinkClick>
+              </a:rPr>
+              <a:t>www.PowerPlatformBootcamp.com</a:t>
+            </a:r>
+            <a:endParaRPr lang="en-CA" sz="3200" dirty="0">
+              <a:latin typeface="+mj-lt"/>
+            </a:endParaRPr>
+          </a:p>
+          <a:p>
+            <a:endParaRPr lang="en-CA" dirty="0"/>
+          </a:p>
+        </p:txBody>
+      </p:sp>
+      <p:sp>
+        <p:nvSpPr>
+          <p:cNvPr id="7" name="Title 6">
+            <a:extLst>
+              <a:ext uri="{FF2B5EF4-FFF2-40B4-BE49-F238E27FC236}">
+                <a16:creationId xmlns:a16="http://schemas.microsoft.com/office/drawing/2014/main" id="{FA0326DB-5964-4C1B-AEFA-C740763375DE}"/>
+              </a:ext>
+            </a:extLst>
+          </p:cNvPr>
+          <p:cNvSpPr>
+            <a:spLocks noGrp="1"/>
+          </p:cNvSpPr>
+          <p:nvPr>
+            <p:ph type="title"/>
+          </p:nvPr>
+        </p:nvSpPr>
+        <p:spPr/>
+        <p:txBody>
+          <a:bodyPr/>
+          <a:lstStyle/>
+          <a:p>
+            <a:endParaRPr lang="en-CA"/>
+          </a:p>
+        </p:txBody>
+      </p:sp>
+    </p:spTree>
+    <p:extLst>
+      <p:ext uri="{BB962C8B-B14F-4D97-AF65-F5344CB8AC3E}">
+        <p14:creationId xmlns:p14="http://schemas.microsoft.com/office/powerpoint/2010/main" val="1607532763"/>
+      </p:ext>
+    </p:extLst>
+  </p:cSld>
+  <p:clrMapOvr>
+    <a:masterClrMapping/>
+  </p:clrMapOvr>
+</p:sld>
+</file>
+
+<file path=ppt/slides/slide4.xml><?xml version="1.0" encoding="utf-8"?>
+<p:sld xmlns:a="http://schemas.openxmlformats.org/drawingml/2006/main" xmlns:r="http://schemas.openxmlformats.org/officeDocument/2006/relationships" xmlns:p="http://schemas.openxmlformats.org/presentationml/2006/main">
+  <p:cSld>
+    <p:spTree>
+      <p:nvGrpSpPr>
+        <p:cNvPr id="1" name=""/>
+        <p:cNvGrpSpPr/>
+        <p:nvPr/>
+      </p:nvGrpSpPr>
+      <p:grpSpPr>
+        <a:xfrm>
+          <a:off x="0" y="0"/>
+          <a:ext cx="0" cy="0"/>
+          <a:chOff x="0" y="0"/>
+          <a:chExt cx="0" cy="0"/>
+        </a:xfrm>
+      </p:grpSpPr>
+      <p:sp>
+        <p:nvSpPr>
+          <p:cNvPr id="2" name="Text Placeholder 1">
+            <a:extLst>
+              <a:ext uri="{FF2B5EF4-FFF2-40B4-BE49-F238E27FC236}">
+                <a16:creationId xmlns:a16="http://schemas.microsoft.com/office/drawing/2014/main" id="{E0760591-5069-45D9-84E5-1FC317064E40}"/>
+              </a:ext>
+            </a:extLst>
+          </p:cNvPr>
+          <p:cNvSpPr>
+            <a:spLocks noGrp="1"/>
+          </p:cNvSpPr>
+          <p:nvPr>
+            <p:ph type="body" sz="quarter" idx="14"/>
+          </p:nvPr>
+        </p:nvSpPr>
+        <p:spPr/>
+        <p:txBody>
+          <a:bodyPr/>
+          <a:lstStyle/>
+          <a:p>
+            <a:endParaRPr lang="en-CA"/>
+          </a:p>
+        </p:txBody>
+      </p:sp>
+      <p:sp>
+        <p:nvSpPr>
+          <p:cNvPr id="3" name="Text Placeholder 2">
+            <a:extLst>
+              <a:ext uri="{FF2B5EF4-FFF2-40B4-BE49-F238E27FC236}">
+                <a16:creationId xmlns:a16="http://schemas.microsoft.com/office/drawing/2014/main" id="{7BC7308D-77E6-4CFC-A55F-B34BD2B05E43}"/>
+              </a:ext>
+            </a:extLst>
+          </p:cNvPr>
+          <p:cNvSpPr>
+            <a:spLocks noGrp="1"/>
+          </p:cNvSpPr>
+          <p:nvPr>
+            <p:ph type="body" sz="quarter" idx="15"/>
+          </p:nvPr>
+        </p:nvSpPr>
+        <p:spPr/>
+        <p:txBody>
+          <a:bodyPr/>
+          <a:lstStyle/>
+          <a:p>
+            <a:endParaRPr lang="en-CA"/>
+          </a:p>
+        </p:txBody>
+      </p:sp>
+      <p:sp>
+        <p:nvSpPr>
+          <p:cNvPr id="4" name="Picture Placeholder 3">
+            <a:extLst>
+              <a:ext uri="{FF2B5EF4-FFF2-40B4-BE49-F238E27FC236}">
+                <a16:creationId xmlns:a16="http://schemas.microsoft.com/office/drawing/2014/main" id="{B601C948-939D-4963-A9A0-9981627B76A0}"/>
+              </a:ext>
+            </a:extLst>
+          </p:cNvPr>
+          <p:cNvSpPr>
+            <a:spLocks noGrp="1"/>
+          </p:cNvSpPr>
+          <p:nvPr>
+            <p:ph type="pic" sz="quarter" idx="13"/>
+          </p:nvPr>
+        </p:nvSpPr>
+        <p:spPr/>
+      </p:sp>
+      <p:sp>
+        <p:nvSpPr>
+          <p:cNvPr id="5" name="Text Placeholder 4">
+            <a:extLst>
+              <a:ext uri="{FF2B5EF4-FFF2-40B4-BE49-F238E27FC236}">
+                <a16:creationId xmlns:a16="http://schemas.microsoft.com/office/drawing/2014/main" id="{06DCC6E2-38FC-4D88-9FA6-01311DD0544C}"/>
+              </a:ext>
+            </a:extLst>
+          </p:cNvPr>
+          <p:cNvSpPr>
+            <a:spLocks noGrp="1"/>
+          </p:cNvSpPr>
+          <p:nvPr>
+            <p:ph type="body" sz="quarter" idx="16"/>
+          </p:nvPr>
+        </p:nvSpPr>
+        <p:spPr/>
+        <p:txBody>
+          <a:bodyPr/>
+          <a:lstStyle/>
+          <a:p>
+            <a:endParaRPr lang="en-CA"/>
+          </a:p>
+        </p:txBody>
+      </p:sp>
+      <p:sp>
+        <p:nvSpPr>
+          <p:cNvPr id="6" name="Text Placeholder 5">
+            <a:extLst>
+              <a:ext uri="{FF2B5EF4-FFF2-40B4-BE49-F238E27FC236}">
+                <a16:creationId xmlns:a16="http://schemas.microsoft.com/office/drawing/2014/main" id="{E5B3CCE6-EC9C-4CFE-8D03-7DAE548CBB41}"/>
+              </a:ext>
+            </a:extLst>
+          </p:cNvPr>
+          <p:cNvSpPr>
+            <a:spLocks noGrp="1"/>
+          </p:cNvSpPr>
+          <p:nvPr>
+            <p:ph type="body" sz="quarter" idx="17"/>
+          </p:nvPr>
+        </p:nvSpPr>
+        <p:spPr/>
+        <p:txBody>
+          <a:bodyPr/>
+          <a:lstStyle/>
+          <a:p>
+            <a:endParaRPr lang="en-CA"/>
+          </a:p>
+        </p:txBody>
+      </p:sp>
+      <p:sp>
+        <p:nvSpPr>
+          <p:cNvPr id="7" name="Title 6">
+            <a:extLst>
+              <a:ext uri="{FF2B5EF4-FFF2-40B4-BE49-F238E27FC236}">
+                <a16:creationId xmlns:a16="http://schemas.microsoft.com/office/drawing/2014/main" id="{1775A530-A140-426E-9F67-074F240A4ACA}"/>
+              </a:ext>
+            </a:extLst>
+          </p:cNvPr>
+          <p:cNvSpPr>
+            <a:spLocks noGrp="1"/>
+          </p:cNvSpPr>
+          <p:nvPr>
+            <p:ph type="title"/>
+          </p:nvPr>
+        </p:nvSpPr>
+        <p:spPr/>
+        <p:txBody>
+          <a:bodyPr/>
+          <a:lstStyle/>
+          <a:p>
+            <a:endParaRPr lang="en-CA"/>
+          </a:p>
+        </p:txBody>
+      </p:sp>
+    </p:spTree>
+    <p:extLst>
+      <p:ext uri="{BB962C8B-B14F-4D97-AF65-F5344CB8AC3E}">
+        <p14:creationId xmlns:p14="http://schemas.microsoft.com/office/powerpoint/2010/main" val="3409431748"/>
       </p:ext>
     </p:extLst>
   </p:cSld>
@@ -2045,42 +2690,42 @@
 <file path=ppt/theme/theme1.xml><?xml version="1.0" encoding="utf-8"?>
 <a:theme xmlns:a="http://schemas.openxmlformats.org/drawingml/2006/main" name="Office Theme">
   <a:themeElements>
-    <a:clrScheme name="Office">
+    <a:clrScheme name="Custom 1">
       <a:dk1>
-        <a:sysClr val="windowText" lastClr="000000"/>
+        <a:srgbClr val="49CAED"/>
       </a:dk1>
       <a:lt1>
         <a:sysClr val="window" lastClr="FFFFFF"/>
       </a:lt1>
       <a:dk2>
-        <a:srgbClr val="44546A"/>
+        <a:srgbClr val="54565A"/>
       </a:dk2>
       <a:lt2>
-        <a:srgbClr val="E7E6E6"/>
+        <a:srgbClr val="E7E8E9"/>
       </a:lt2>
       <a:accent1>
-        <a:srgbClr val="5B9BD5"/>
+        <a:srgbClr val="732773"/>
       </a:accent1>
       <a:accent2>
-        <a:srgbClr val="ED7D31"/>
+        <a:srgbClr val="54565A"/>
       </a:accent2>
       <a:accent3>
-        <a:srgbClr val="A5A5A5"/>
+        <a:srgbClr val="A442DC"/>
       </a:accent3>
       <a:accent4>
-        <a:srgbClr val="FFC000"/>
+        <a:srgbClr val="7B7E83"/>
       </a:accent4>
       <a:accent5>
-        <a:srgbClr val="4472C4"/>
+        <a:srgbClr val="D8D9DA"/>
       </a:accent5>
       <a:accent6>
-        <a:srgbClr val="70AD47"/>
+        <a:srgbClr val="B564E3"/>
       </a:accent6>
       <a:hlink>
         <a:srgbClr val="0563C1"/>
       </a:hlink>
       <a:folHlink>
-        <a:srgbClr val="954F72"/>
+        <a:srgbClr val="0563C1"/>
       </a:folHlink>
     </a:clrScheme>
     <a:fontScheme name="GPPB">
@@ -2090,7 +2735,7 @@
         <a:cs typeface=""/>
       </a:majorFont>
       <a:minorFont>
-        <a:latin typeface="Open Sans"/>
+        <a:latin typeface="Oswald"/>
         <a:ea typeface=""/>
         <a:cs typeface=""/>
       </a:minorFont>
@@ -2244,21 +2889,6 @@
 </file>
 
 <file path=customXml/item1.xml><?xml version="1.0" encoding="utf-8"?>
-<?mso-contentType ?>
-<FormTemplates xmlns="http://schemas.microsoft.com/sharepoint/v3/contenttype/forms">
-  <Display>DocumentLibraryForm</Display>
-  <Edit>DocumentLibraryForm</Edit>
-  <New>DocumentLibraryForm</New>
-</FormTemplates>
-</file>
-
-<file path=customXml/item2.xml><?xml version="1.0" encoding="utf-8"?>
-<p:properties xmlns:p="http://schemas.microsoft.com/office/2006/metadata/properties" xmlns:xsi="http://www.w3.org/2001/XMLSchema-instance" xmlns:pc="http://schemas.microsoft.com/office/infopath/2007/PartnerControls">
-  <documentManagement/>
-</p:properties>
-</file>
-
-<file path=customXml/item3.xml><?xml version="1.0" encoding="utf-8"?>
 <ct:contentTypeSchema xmlns:ct="http://schemas.microsoft.com/office/2006/metadata/contentType" xmlns:ma="http://schemas.microsoft.com/office/2006/metadata/properties/metaAttributes" ct:_="" ma:_="" ma:contentTypeName="Document" ma:contentTypeID="0x010100F6BDD08CCF370849A2D407B3E3FB0E50" ma:contentTypeVersion="6" ma:contentTypeDescription="Create a new document." ma:contentTypeScope="" ma:versionID="67b8d404d50ab64c6da975ce4eaec4ee">
   <xsd:schema xmlns:xsd="http://www.w3.org/2001/XMLSchema" xmlns:xs="http://www.w3.org/2001/XMLSchema" xmlns:p="http://schemas.microsoft.com/office/2006/metadata/properties" xmlns:ns2="774ed329-f2c8-4afb-9f87-f277f9430717" targetNamespace="http://schemas.microsoft.com/office/2006/metadata/properties" ma:root="true" ma:fieldsID="2ee7a84ba5c28d271e27e06945b3db8f" ns2:_="">
     <xsd:import namespace="774ed329-f2c8-4afb-9f87-f277f9430717"/>
@@ -2416,10 +3046,35 @@
 </ct:contentTypeSchema>
 </file>
 
+<file path=customXml/item2.xml><?xml version="1.0" encoding="utf-8"?>
+<p:properties xmlns:p="http://schemas.microsoft.com/office/2006/metadata/properties" xmlns:xsi="http://www.w3.org/2001/XMLSchema-instance" xmlns:pc="http://schemas.microsoft.com/office/infopath/2007/PartnerControls">
+  <documentManagement/>
+</p:properties>
+</file>
+
+<file path=customXml/item3.xml><?xml version="1.0" encoding="utf-8"?>
+<?mso-contentType ?>
+<FormTemplates xmlns="http://schemas.microsoft.com/sharepoint/v3/contenttype/forms">
+  <Display>DocumentLibraryForm</Display>
+  <Edit>DocumentLibraryForm</Edit>
+  <New>DocumentLibraryForm</New>
+</FormTemplates>
+</file>
+
 <file path=customXml/itemProps1.xml><?xml version="1.0" encoding="utf-8"?>
-<ds:datastoreItem xmlns:ds="http://schemas.openxmlformats.org/officeDocument/2006/customXml" ds:itemID="{646C0C05-D953-4444-8405-0E47656BF76E}">
+<ds:datastoreItem xmlns:ds="http://schemas.openxmlformats.org/officeDocument/2006/customXml" ds:itemID="{B82D51DF-B950-4ADF-B00C-C6AE7EAF455E}">
   <ds:schemaRefs>
-    <ds:schemaRef ds:uri="http://schemas.microsoft.com/sharepoint/v3/contenttype/forms"/>
+    <ds:schemaRef ds:uri="http://schemas.microsoft.com/office/2006/metadata/contentType"/>
+    <ds:schemaRef ds:uri="http://schemas.microsoft.com/office/2006/metadata/properties/metaAttributes"/>
+    <ds:schemaRef ds:uri="http://www.w3.org/2001/XMLSchema"/>
+    <ds:schemaRef ds:uri="http://schemas.microsoft.com/office/2006/metadata/properties"/>
+    <ds:schemaRef ds:uri="774ed329-f2c8-4afb-9f87-f277f9430717"/>
+    <ds:schemaRef ds:uri="http://schemas.microsoft.com/office/2006/documentManagement/types"/>
+    <ds:schemaRef ds:uri="http://schemas.microsoft.com/office/infopath/2007/PartnerControls"/>
+    <ds:schemaRef ds:uri="http://schemas.openxmlformats.org/package/2006/metadata/core-properties"/>
+    <ds:schemaRef ds:uri="http://purl.org/dc/elements/1.1/"/>
+    <ds:schemaRef ds:uri="http://purl.org/dc/terms/"/>
+    <ds:schemaRef ds:uri="http://schemas.microsoft.com/internal/obd"/>
   </ds:schemaRefs>
 </ds:datastoreItem>
 </file>
@@ -2441,19 +3096,9 @@
 </file>
 
 <file path=customXml/itemProps3.xml><?xml version="1.0" encoding="utf-8"?>
-<ds:datastoreItem xmlns:ds="http://schemas.openxmlformats.org/officeDocument/2006/customXml" ds:itemID="{B82D51DF-B950-4ADF-B00C-C6AE7EAF455E}">
+<ds:datastoreItem xmlns:ds="http://schemas.openxmlformats.org/officeDocument/2006/customXml" ds:itemID="{646C0C05-D953-4444-8405-0E47656BF76E}">
   <ds:schemaRefs>
-    <ds:schemaRef ds:uri="http://schemas.microsoft.com/office/2006/metadata/contentType"/>
-    <ds:schemaRef ds:uri="http://schemas.microsoft.com/office/2006/metadata/properties/metaAttributes"/>
-    <ds:schemaRef ds:uri="http://www.w3.org/2001/XMLSchema"/>
-    <ds:schemaRef ds:uri="http://schemas.microsoft.com/office/2006/metadata/properties"/>
-    <ds:schemaRef ds:uri="774ed329-f2c8-4afb-9f87-f277f9430717"/>
-    <ds:schemaRef ds:uri="http://schemas.microsoft.com/office/2006/documentManagement/types"/>
-    <ds:schemaRef ds:uri="http://schemas.microsoft.com/office/infopath/2007/PartnerControls"/>
-    <ds:schemaRef ds:uri="http://schemas.openxmlformats.org/package/2006/metadata/core-properties"/>
-    <ds:schemaRef ds:uri="http://purl.org/dc/elements/1.1/"/>
-    <ds:schemaRef ds:uri="http://purl.org/dc/terms/"/>
-    <ds:schemaRef ds:uri="http://schemas.microsoft.com/internal/obd"/>
+    <ds:schemaRef ds:uri="http://schemas.microsoft.com/sharepoint/v3/contenttype/forms"/>
   </ds:schemaRefs>
 </ds:datastoreItem>
 </file>